--- a/doc/HolyFitArchitecture.pptx
+++ b/doc/HolyFitArchitecture.pptx
@@ -5,12 +5,13 @@
     <p:sldMasterId id="2147483648" r:id="rId1"/>
   </p:sldMasterIdLst>
   <p:notesMasterIdLst>
-    <p:notesMasterId r:id="rId5"/>
+    <p:notesMasterId r:id="rId6"/>
   </p:notesMasterIdLst>
   <p:sldIdLst>
     <p:sldId id="256" r:id="rId2"/>
-    <p:sldId id="257" r:id="rId3"/>
-    <p:sldId id="258" r:id="rId4"/>
+    <p:sldId id="261" r:id="rId3"/>
+    <p:sldId id="262" r:id="rId4"/>
+    <p:sldId id="263" r:id="rId5"/>
   </p:sldIdLst>
   <p:sldSz cx="12192000" cy="6858000"/>
   <p:notesSz cx="6858000" cy="9144000"/>
@@ -109,6 +110,11 @@
       </a:defRPr>
     </a:lvl9pPr>
   </p:defaultTextStyle>
+  <p:extLst>
+    <p:ext uri="{EFAFB233-063F-42B5-8137-9DF3F51BA10A}">
+      <p15:sldGuideLst xmlns:p15="http://schemas.microsoft.com/office/powerpoint/2012/main"/>
+    </p:ext>
+  </p:extLst>
 </p:presentation>
 </file>
 
@@ -536,6 +542,258 @@
     <p:extLst>
       <p:ext uri="{BB962C8B-B14F-4D97-AF65-F5344CB8AC3E}">
         <p14:creationId xmlns:p14="http://schemas.microsoft.com/office/powerpoint/2010/main" val="44366632"/>
+      </p:ext>
+    </p:extLst>
+  </p:cSld>
+  <p:clrMapOvr>
+    <a:masterClrMapping/>
+  </p:clrMapOvr>
+</p:notes>
+</file>
+
+<file path=ppt/notesSlides/notesSlide2.xml><?xml version="1.0" encoding="utf-8"?>
+<p:notes xmlns:a="http://schemas.openxmlformats.org/drawingml/2006/main" xmlns:r="http://schemas.openxmlformats.org/officeDocument/2006/relationships" xmlns:p="http://schemas.openxmlformats.org/presentationml/2006/main">
+  <p:cSld>
+    <p:spTree>
+      <p:nvGrpSpPr>
+        <p:cNvPr id="1" name=""/>
+        <p:cNvGrpSpPr/>
+        <p:nvPr/>
+      </p:nvGrpSpPr>
+      <p:grpSpPr>
+        <a:xfrm>
+          <a:off x="0" y="0"/>
+          <a:ext cx="0" cy="0"/>
+          <a:chOff x="0" y="0"/>
+          <a:chExt cx="0" cy="0"/>
+        </a:xfrm>
+      </p:grpSpPr>
+      <p:sp>
+        <p:nvSpPr>
+          <p:cNvPr id="2" name="Slide Image Placeholder 1"/>
+          <p:cNvSpPr>
+            <a:spLocks noGrp="1" noRot="1" noChangeAspect="1"/>
+          </p:cNvSpPr>
+          <p:nvPr>
+            <p:ph type="sldImg"/>
+          </p:nvPr>
+        </p:nvSpPr>
+        <p:spPr/>
+      </p:sp>
+      <p:sp>
+        <p:nvSpPr>
+          <p:cNvPr id="3" name="Notes Placeholder 2"/>
+          <p:cNvSpPr>
+            <a:spLocks noGrp="1"/>
+          </p:cNvSpPr>
+          <p:nvPr>
+            <p:ph type="body" idx="1"/>
+          </p:nvPr>
+        </p:nvSpPr>
+        <p:spPr/>
+        <p:txBody>
+          <a:bodyPr/>
+          <a:lstStyle/>
+          <a:p>
+            <a:endParaRPr lang="en-US" dirty="0"/>
+          </a:p>
+        </p:txBody>
+      </p:sp>
+      <p:sp>
+        <p:nvSpPr>
+          <p:cNvPr id="4" name="Slide Number Placeholder 3"/>
+          <p:cNvSpPr>
+            <a:spLocks noGrp="1"/>
+          </p:cNvSpPr>
+          <p:nvPr>
+            <p:ph type="sldNum" sz="quarter" idx="5"/>
+          </p:nvPr>
+        </p:nvSpPr>
+        <p:spPr/>
+        <p:txBody>
+          <a:bodyPr/>
+          <a:lstStyle/>
+          <a:p>
+            <a:fld id="{4108D638-A353-4576-903B-623E04B87701}" type="slidenum">
+              <a:rPr lang="en-US" smtClean="0"/>
+              <a:t>2</a:t>
+            </a:fld>
+            <a:endParaRPr lang="en-US"/>
+          </a:p>
+        </p:txBody>
+      </p:sp>
+    </p:spTree>
+    <p:extLst>
+      <p:ext uri="{BB962C8B-B14F-4D97-AF65-F5344CB8AC3E}">
+        <p14:creationId xmlns:p14="http://schemas.microsoft.com/office/powerpoint/2010/main" val="2367939212"/>
+      </p:ext>
+    </p:extLst>
+  </p:cSld>
+  <p:clrMapOvr>
+    <a:masterClrMapping/>
+  </p:clrMapOvr>
+</p:notes>
+</file>
+
+<file path=ppt/notesSlides/notesSlide3.xml><?xml version="1.0" encoding="utf-8"?>
+<p:notes xmlns:a="http://schemas.openxmlformats.org/drawingml/2006/main" xmlns:r="http://schemas.openxmlformats.org/officeDocument/2006/relationships" xmlns:p="http://schemas.openxmlformats.org/presentationml/2006/main">
+  <p:cSld>
+    <p:spTree>
+      <p:nvGrpSpPr>
+        <p:cNvPr id="1" name=""/>
+        <p:cNvGrpSpPr/>
+        <p:nvPr/>
+      </p:nvGrpSpPr>
+      <p:grpSpPr>
+        <a:xfrm>
+          <a:off x="0" y="0"/>
+          <a:ext cx="0" cy="0"/>
+          <a:chOff x="0" y="0"/>
+          <a:chExt cx="0" cy="0"/>
+        </a:xfrm>
+      </p:grpSpPr>
+      <p:sp>
+        <p:nvSpPr>
+          <p:cNvPr id="2" name="Slide Image Placeholder 1"/>
+          <p:cNvSpPr>
+            <a:spLocks noGrp="1" noRot="1" noChangeAspect="1"/>
+          </p:cNvSpPr>
+          <p:nvPr>
+            <p:ph type="sldImg"/>
+          </p:nvPr>
+        </p:nvSpPr>
+        <p:spPr/>
+      </p:sp>
+      <p:sp>
+        <p:nvSpPr>
+          <p:cNvPr id="3" name="Notes Placeholder 2"/>
+          <p:cNvSpPr>
+            <a:spLocks noGrp="1"/>
+          </p:cNvSpPr>
+          <p:nvPr>
+            <p:ph type="body" idx="1"/>
+          </p:nvPr>
+        </p:nvSpPr>
+        <p:spPr/>
+        <p:txBody>
+          <a:bodyPr/>
+          <a:lstStyle/>
+          <a:p>
+            <a:endParaRPr lang="en-US" dirty="0"/>
+          </a:p>
+        </p:txBody>
+      </p:sp>
+      <p:sp>
+        <p:nvSpPr>
+          <p:cNvPr id="4" name="Slide Number Placeholder 3"/>
+          <p:cNvSpPr>
+            <a:spLocks noGrp="1"/>
+          </p:cNvSpPr>
+          <p:nvPr>
+            <p:ph type="sldNum" sz="quarter" idx="5"/>
+          </p:nvPr>
+        </p:nvSpPr>
+        <p:spPr/>
+        <p:txBody>
+          <a:bodyPr/>
+          <a:lstStyle/>
+          <a:p>
+            <a:fld id="{4108D638-A353-4576-903B-623E04B87701}" type="slidenum">
+              <a:rPr lang="en-US" smtClean="0"/>
+              <a:t>3</a:t>
+            </a:fld>
+            <a:endParaRPr lang="en-US"/>
+          </a:p>
+        </p:txBody>
+      </p:sp>
+    </p:spTree>
+    <p:extLst>
+      <p:ext uri="{BB962C8B-B14F-4D97-AF65-F5344CB8AC3E}">
+        <p14:creationId xmlns:p14="http://schemas.microsoft.com/office/powerpoint/2010/main" val="3458285935"/>
+      </p:ext>
+    </p:extLst>
+  </p:cSld>
+  <p:clrMapOvr>
+    <a:masterClrMapping/>
+  </p:clrMapOvr>
+</p:notes>
+</file>
+
+<file path=ppt/notesSlides/notesSlide4.xml><?xml version="1.0" encoding="utf-8"?>
+<p:notes xmlns:a="http://schemas.openxmlformats.org/drawingml/2006/main" xmlns:r="http://schemas.openxmlformats.org/officeDocument/2006/relationships" xmlns:p="http://schemas.openxmlformats.org/presentationml/2006/main">
+  <p:cSld>
+    <p:spTree>
+      <p:nvGrpSpPr>
+        <p:cNvPr id="1" name=""/>
+        <p:cNvGrpSpPr/>
+        <p:nvPr/>
+      </p:nvGrpSpPr>
+      <p:grpSpPr>
+        <a:xfrm>
+          <a:off x="0" y="0"/>
+          <a:ext cx="0" cy="0"/>
+          <a:chOff x="0" y="0"/>
+          <a:chExt cx="0" cy="0"/>
+        </a:xfrm>
+      </p:grpSpPr>
+      <p:sp>
+        <p:nvSpPr>
+          <p:cNvPr id="2" name="Slide Image Placeholder 1"/>
+          <p:cNvSpPr>
+            <a:spLocks noGrp="1" noRot="1" noChangeAspect="1"/>
+          </p:cNvSpPr>
+          <p:nvPr>
+            <p:ph type="sldImg"/>
+          </p:nvPr>
+        </p:nvSpPr>
+        <p:spPr/>
+      </p:sp>
+      <p:sp>
+        <p:nvSpPr>
+          <p:cNvPr id="3" name="Notes Placeholder 2"/>
+          <p:cNvSpPr>
+            <a:spLocks noGrp="1"/>
+          </p:cNvSpPr>
+          <p:nvPr>
+            <p:ph type="body" idx="1"/>
+          </p:nvPr>
+        </p:nvSpPr>
+        <p:spPr/>
+        <p:txBody>
+          <a:bodyPr/>
+          <a:lstStyle/>
+          <a:p>
+            <a:endParaRPr lang="en-US" dirty="0"/>
+          </a:p>
+        </p:txBody>
+      </p:sp>
+      <p:sp>
+        <p:nvSpPr>
+          <p:cNvPr id="4" name="Slide Number Placeholder 3"/>
+          <p:cNvSpPr>
+            <a:spLocks noGrp="1"/>
+          </p:cNvSpPr>
+          <p:nvPr>
+            <p:ph type="sldNum" sz="quarter" idx="5"/>
+          </p:nvPr>
+        </p:nvSpPr>
+        <p:spPr/>
+        <p:txBody>
+          <a:bodyPr/>
+          <a:lstStyle/>
+          <a:p>
+            <a:fld id="{4108D638-A353-4576-903B-623E04B87701}" type="slidenum">
+              <a:rPr lang="en-US" smtClean="0"/>
+              <a:t>4</a:t>
+            </a:fld>
+            <a:endParaRPr lang="en-US"/>
+          </a:p>
+        </p:txBody>
+      </p:sp>
+    </p:spTree>
+    <p:extLst>
+      <p:ext uri="{BB962C8B-B14F-4D97-AF65-F5344CB8AC3E}">
+        <p14:creationId xmlns:p14="http://schemas.microsoft.com/office/powerpoint/2010/main" val="2560302650"/>
       </p:ext>
     </p:extLst>
   </p:cSld>
@@ -3773,7 +4031,7 @@
         </p:nvSpPr>
         <p:spPr>
           <a:xfrm rot="5400000">
-            <a:off x="2100277" y="2411937"/>
+            <a:off x="2100277" y="3251529"/>
             <a:ext cx="227353" cy="3934829"/>
           </a:xfrm>
           <a:prstGeom prst="rightBrace">
@@ -3817,7 +4075,7 @@
         </p:nvSpPr>
         <p:spPr>
           <a:xfrm rot="5400000">
-            <a:off x="9960115" y="2445188"/>
+            <a:off x="9960115" y="3284780"/>
             <a:ext cx="227353" cy="3934829"/>
           </a:xfrm>
           <a:prstGeom prst="rightBrace">
@@ -3861,7 +4119,7 @@
         </p:nvSpPr>
         <p:spPr>
           <a:xfrm>
-            <a:off x="840893" y="4493028"/>
+            <a:off x="840893" y="5332620"/>
             <a:ext cx="2938550" cy="369332"/>
           </a:xfrm>
           <a:prstGeom prst="rect">
@@ -3896,7 +4154,7 @@
         </p:nvSpPr>
         <p:spPr>
           <a:xfrm>
-            <a:off x="9303619" y="4493028"/>
+            <a:off x="9303619" y="5332620"/>
             <a:ext cx="2938550" cy="369332"/>
           </a:xfrm>
           <a:prstGeom prst="rect">
@@ -3931,7 +4189,7 @@
         </p:nvSpPr>
         <p:spPr>
           <a:xfrm>
-            <a:off x="8361369" y="1105592"/>
+            <a:off x="8361369" y="1945184"/>
             <a:ext cx="3424843" cy="2784764"/>
           </a:xfrm>
           <a:prstGeom prst="roundRect">
@@ -3987,7 +4245,7 @@
         </p:nvSpPr>
         <p:spPr>
           <a:xfrm>
-            <a:off x="8574363" y="2036309"/>
+            <a:off x="8574363" y="2875901"/>
             <a:ext cx="2998853" cy="923330"/>
           </a:xfrm>
           <a:prstGeom prst="rect">
@@ -4034,7 +4292,7 @@
         </p:nvSpPr>
         <p:spPr>
           <a:xfrm>
-            <a:off x="405790" y="1105592"/>
+            <a:off x="405790" y="1945184"/>
             <a:ext cx="3424843" cy="2784764"/>
           </a:xfrm>
           <a:prstGeom prst="roundRect">
@@ -4090,7 +4348,7 @@
         </p:nvSpPr>
         <p:spPr>
           <a:xfrm>
-            <a:off x="405788" y="2036309"/>
+            <a:off x="372537" y="2875901"/>
             <a:ext cx="3562584" cy="923330"/>
           </a:xfrm>
           <a:prstGeom prst="rect">
@@ -4120,13 +4378,383 @@
           <a:p>
             <a:r>
               <a:rPr lang="en-US" dirty="0"/>
-              <a:t>MONGO DB database management</a:t>
+              <a:t>MongoDB database management</a:t>
             </a:r>
           </a:p>
           <a:p>
             <a:r>
               <a:rPr lang="en-US" dirty="0"/>
               <a:t>Automatic Deployment</a:t>
+            </a:r>
+          </a:p>
+        </p:txBody>
+      </p:sp>
+      <p:sp>
+        <p:nvSpPr>
+          <p:cNvPr id="2" name="Arrow: Right 1">
+            <a:extLst>
+              <a:ext uri="{FF2B5EF4-FFF2-40B4-BE49-F238E27FC236}">
+                <a16:creationId xmlns:a16="http://schemas.microsoft.com/office/drawing/2014/main" id="{60E75D57-EA70-7A0D-874C-38F88B75D5D0}"/>
+              </a:ext>
+            </a:extLst>
+          </p:cNvPr>
+          <p:cNvSpPr/>
+          <p:nvPr/>
+        </p:nvSpPr>
+        <p:spPr>
+          <a:xfrm>
+            <a:off x="3920608" y="3067401"/>
+            <a:ext cx="923668" cy="540327"/>
+          </a:xfrm>
+          <a:prstGeom prst="rightArrow">
+            <a:avLst/>
+          </a:prstGeom>
+          <a:solidFill>
+            <a:schemeClr val="accent6">
+              <a:lumMod val="75000"/>
+            </a:schemeClr>
+          </a:solidFill>
+          <a:ln>
+            <a:noFill/>
+          </a:ln>
+        </p:spPr>
+        <p:style>
+          <a:lnRef idx="2">
+            <a:schemeClr val="accent1">
+              <a:shade val="50000"/>
+            </a:schemeClr>
+          </a:lnRef>
+          <a:fillRef idx="1">
+            <a:schemeClr val="accent1"/>
+          </a:fillRef>
+          <a:effectRef idx="0">
+            <a:schemeClr val="accent1"/>
+          </a:effectRef>
+          <a:fontRef idx="minor">
+            <a:schemeClr val="lt1"/>
+          </a:fontRef>
+        </p:style>
+        <p:txBody>
+          <a:bodyPr rtlCol="0" anchor="ctr"/>
+          <a:lstStyle/>
+          <a:p>
+            <a:pPr algn="ctr"/>
+            <a:endParaRPr lang="en-US"/>
+          </a:p>
+        </p:txBody>
+      </p:sp>
+      <p:sp>
+        <p:nvSpPr>
+          <p:cNvPr id="3" name="Arrow: Right 2">
+            <a:extLst>
+              <a:ext uri="{FF2B5EF4-FFF2-40B4-BE49-F238E27FC236}">
+                <a16:creationId xmlns:a16="http://schemas.microsoft.com/office/drawing/2014/main" id="{82F4579E-0C26-3296-BC43-5A312F924566}"/>
+              </a:ext>
+            </a:extLst>
+          </p:cNvPr>
+          <p:cNvSpPr/>
+          <p:nvPr/>
+        </p:nvSpPr>
+        <p:spPr>
+          <a:xfrm>
+            <a:off x="7333213" y="3067401"/>
+            <a:ext cx="923668" cy="540327"/>
+          </a:xfrm>
+          <a:prstGeom prst="rightArrow">
+            <a:avLst/>
+          </a:prstGeom>
+          <a:solidFill>
+            <a:schemeClr val="accent6">
+              <a:lumMod val="75000"/>
+            </a:schemeClr>
+          </a:solidFill>
+          <a:ln>
+            <a:noFill/>
+          </a:ln>
+        </p:spPr>
+        <p:style>
+          <a:lnRef idx="2">
+            <a:schemeClr val="accent1">
+              <a:shade val="50000"/>
+            </a:schemeClr>
+          </a:lnRef>
+          <a:fillRef idx="1">
+            <a:schemeClr val="accent1"/>
+          </a:fillRef>
+          <a:effectRef idx="0">
+            <a:schemeClr val="accent1"/>
+          </a:effectRef>
+          <a:fontRef idx="minor">
+            <a:schemeClr val="lt1"/>
+          </a:fontRef>
+        </p:style>
+        <p:txBody>
+          <a:bodyPr rtlCol="0" anchor="ctr"/>
+          <a:lstStyle/>
+          <a:p>
+            <a:pPr algn="ctr"/>
+            <a:endParaRPr lang="en-US"/>
+          </a:p>
+        </p:txBody>
+      </p:sp>
+      <p:sp>
+        <p:nvSpPr>
+          <p:cNvPr id="6" name="Rectangle: Rounded Corners 5">
+            <a:extLst>
+              <a:ext uri="{FF2B5EF4-FFF2-40B4-BE49-F238E27FC236}">
+                <a16:creationId xmlns:a16="http://schemas.microsoft.com/office/drawing/2014/main" id="{B9B823B6-03CF-1CAA-1F7B-050451089E37}"/>
+              </a:ext>
+            </a:extLst>
+          </p:cNvPr>
+          <p:cNvSpPr/>
+          <p:nvPr/>
+        </p:nvSpPr>
+        <p:spPr>
+          <a:xfrm>
+            <a:off x="4912822" y="2506569"/>
+            <a:ext cx="2261062" cy="1732928"/>
+          </a:xfrm>
+          <a:prstGeom prst="roundRect">
+            <a:avLst/>
+          </a:prstGeom>
+          <a:solidFill>
+            <a:schemeClr val="accent6">
+              <a:lumMod val="20000"/>
+              <a:lumOff val="80000"/>
+            </a:schemeClr>
+          </a:solidFill>
+          <a:ln>
+            <a:solidFill>
+              <a:schemeClr val="tx1"/>
+            </a:solidFill>
+          </a:ln>
+        </p:spPr>
+        <p:style>
+          <a:lnRef idx="2">
+            <a:schemeClr val="accent1">
+              <a:shade val="50000"/>
+            </a:schemeClr>
+          </a:lnRef>
+          <a:fillRef idx="1">
+            <a:schemeClr val="accent1"/>
+          </a:fillRef>
+          <a:effectRef idx="0">
+            <a:schemeClr val="accent1"/>
+          </a:effectRef>
+          <a:fontRef idx="minor">
+            <a:schemeClr val="lt1"/>
+          </a:fontRef>
+        </p:style>
+        <p:txBody>
+          <a:bodyPr rtlCol="0" anchor="ctr"/>
+          <a:lstStyle/>
+          <a:p>
+            <a:pPr algn="ctr"/>
+            <a:endParaRPr lang="en-US"/>
+          </a:p>
+        </p:txBody>
+      </p:sp>
+      <p:sp>
+        <p:nvSpPr>
+          <p:cNvPr id="13" name="TextBox 12">
+            <a:extLst>
+              <a:ext uri="{FF2B5EF4-FFF2-40B4-BE49-F238E27FC236}">
+                <a16:creationId xmlns:a16="http://schemas.microsoft.com/office/drawing/2014/main" id="{02D29D66-4DB9-135D-9403-62E2C3E256CC}"/>
+              </a:ext>
+            </a:extLst>
+          </p:cNvPr>
+          <p:cNvSpPr txBox="1"/>
+          <p:nvPr/>
+        </p:nvSpPr>
+        <p:spPr>
+          <a:xfrm>
+            <a:off x="5518777" y="2875901"/>
+            <a:ext cx="1176251" cy="923330"/>
+          </a:xfrm>
+          <a:prstGeom prst="rect">
+            <a:avLst/>
+          </a:prstGeom>
+          <a:noFill/>
+        </p:spPr>
+        <p:txBody>
+          <a:bodyPr wrap="square" rtlCol="0">
+            <a:spAutoFit/>
+          </a:bodyPr>
+          <a:lstStyle/>
+          <a:p>
+            <a:r>
+              <a:rPr lang="en-US" dirty="0"/>
+              <a:t>Azure</a:t>
+            </a:r>
+          </a:p>
+          <a:p>
+            <a:endParaRPr lang="en-US" dirty="0"/>
+          </a:p>
+          <a:p>
+            <a:r>
+              <a:rPr lang="en-US" dirty="0"/>
+              <a:t>MongoDB</a:t>
+            </a:r>
+          </a:p>
+        </p:txBody>
+      </p:sp>
+      <p:sp>
+        <p:nvSpPr>
+          <p:cNvPr id="14" name="TextBox 13">
+            <a:extLst>
+              <a:ext uri="{FF2B5EF4-FFF2-40B4-BE49-F238E27FC236}">
+                <a16:creationId xmlns:a16="http://schemas.microsoft.com/office/drawing/2014/main" id="{C3EEE959-5D32-C5FC-EACB-9B79B6EF755E}"/>
+              </a:ext>
+            </a:extLst>
+          </p:cNvPr>
+          <p:cNvSpPr txBox="1"/>
+          <p:nvPr/>
+        </p:nvSpPr>
+        <p:spPr>
+          <a:xfrm>
+            <a:off x="4861596" y="4412769"/>
+            <a:ext cx="2468807" cy="1384995"/>
+          </a:xfrm>
+          <a:prstGeom prst="rect">
+            <a:avLst/>
+          </a:prstGeom>
+          <a:noFill/>
+        </p:spPr>
+        <p:txBody>
+          <a:bodyPr wrap="square" rtlCol="0">
+            <a:spAutoFit/>
+          </a:bodyPr>
+          <a:lstStyle/>
+          <a:p>
+            <a:r>
+              <a:rPr lang="en-US" sz="1400" dirty="0"/>
+              <a:t>Azure automatically builds from the </a:t>
+            </a:r>
+            <a:r>
+              <a:rPr lang="en-US" sz="1400" dirty="0" err="1"/>
+              <a:t>Github</a:t>
+            </a:r>
+            <a:r>
+              <a:rPr lang="en-US" sz="1400" dirty="0"/>
+              <a:t> repository and deploys to the live website.</a:t>
+            </a:r>
+          </a:p>
+          <a:p>
+            <a:endParaRPr lang="en-US" sz="1400" dirty="0"/>
+          </a:p>
+          <a:p>
+            <a:r>
+              <a:rPr lang="en-US" sz="1400" dirty="0"/>
+              <a:t>MongoDB manages the backend database.</a:t>
+            </a:r>
+          </a:p>
+        </p:txBody>
+      </p:sp>
+      <p:sp>
+        <p:nvSpPr>
+          <p:cNvPr id="15" name="TextBox 14">
+            <a:extLst>
+              <a:ext uri="{FF2B5EF4-FFF2-40B4-BE49-F238E27FC236}">
+                <a16:creationId xmlns:a16="http://schemas.microsoft.com/office/drawing/2014/main" id="{74CA0BBF-FFD8-D158-A8A4-832CC1BF02A7}"/>
+              </a:ext>
+            </a:extLst>
+          </p:cNvPr>
+          <p:cNvSpPr txBox="1"/>
+          <p:nvPr/>
+        </p:nvSpPr>
+        <p:spPr>
+          <a:xfrm>
+            <a:off x="150930" y="66496"/>
+            <a:ext cx="4857481" cy="646331"/>
+          </a:xfrm>
+          <a:prstGeom prst="rect">
+            <a:avLst/>
+          </a:prstGeom>
+          <a:noFill/>
+        </p:spPr>
+        <p:txBody>
+          <a:bodyPr wrap="square" rtlCol="0">
+            <a:spAutoFit/>
+          </a:bodyPr>
+          <a:lstStyle/>
+          <a:p>
+            <a:r>
+              <a:rPr lang="en-US" sz="3600" u="sng" dirty="0"/>
+              <a:t>Structural Overview</a:t>
+            </a:r>
+          </a:p>
+        </p:txBody>
+      </p:sp>
+      <p:sp>
+        <p:nvSpPr>
+          <p:cNvPr id="16" name="TextBox 15">
+            <a:extLst>
+              <a:ext uri="{FF2B5EF4-FFF2-40B4-BE49-F238E27FC236}">
+                <a16:creationId xmlns:a16="http://schemas.microsoft.com/office/drawing/2014/main" id="{A4054298-BA34-A0F0-12A8-674E0228187E}"/>
+              </a:ext>
+            </a:extLst>
+          </p:cNvPr>
+          <p:cNvSpPr txBox="1"/>
+          <p:nvPr/>
+        </p:nvSpPr>
+        <p:spPr>
+          <a:xfrm>
+            <a:off x="1176316" y="1994237"/>
+            <a:ext cx="2938550" cy="369332"/>
+          </a:xfrm>
+          <a:prstGeom prst="rect">
+            <a:avLst/>
+          </a:prstGeom>
+          <a:noFill/>
+        </p:spPr>
+        <p:txBody>
+          <a:bodyPr wrap="square" rtlCol="0">
+            <a:spAutoFit/>
+          </a:bodyPr>
+          <a:lstStyle/>
+          <a:p>
+            <a:r>
+              <a:rPr lang="en-US" b="1" dirty="0" err="1"/>
+              <a:t>Github</a:t>
+            </a:r>
+            <a:r>
+              <a:rPr lang="en-US" b="1" dirty="0"/>
+              <a:t> Repository</a:t>
+            </a:r>
+          </a:p>
+        </p:txBody>
+      </p:sp>
+      <p:sp>
+        <p:nvSpPr>
+          <p:cNvPr id="17" name="TextBox 16">
+            <a:extLst>
+              <a:ext uri="{FF2B5EF4-FFF2-40B4-BE49-F238E27FC236}">
+                <a16:creationId xmlns:a16="http://schemas.microsoft.com/office/drawing/2014/main" id="{555505E7-2030-5202-1E14-3F679167C485}"/>
+              </a:ext>
+            </a:extLst>
+          </p:cNvPr>
+          <p:cNvSpPr txBox="1"/>
+          <p:nvPr/>
+        </p:nvSpPr>
+        <p:spPr>
+          <a:xfrm>
+            <a:off x="9418457" y="1994237"/>
+            <a:ext cx="2622749" cy="369332"/>
+          </a:xfrm>
+          <a:prstGeom prst="rect">
+            <a:avLst/>
+          </a:prstGeom>
+          <a:noFill/>
+        </p:spPr>
+        <p:txBody>
+          <a:bodyPr wrap="square" rtlCol="0">
+            <a:spAutoFit/>
+          </a:bodyPr>
+          <a:lstStyle/>
+          <a:p>
+            <a:r>
+              <a:rPr lang="en-US" b="1" dirty="0"/>
+              <a:t>Live Website</a:t>
             </a:r>
           </a:p>
         </p:txBody>
@@ -4161,10 +4789,225 @@
           <a:chExt cx="0" cy="0"/>
         </a:xfrm>
       </p:grpSpPr>
+      <p:sp>
+        <p:nvSpPr>
+          <p:cNvPr id="15" name="TextBox 14">
+            <a:extLst>
+              <a:ext uri="{FF2B5EF4-FFF2-40B4-BE49-F238E27FC236}">
+                <a16:creationId xmlns:a16="http://schemas.microsoft.com/office/drawing/2014/main" id="{74CA0BBF-FFD8-D158-A8A4-832CC1BF02A7}"/>
+              </a:ext>
+            </a:extLst>
+          </p:cNvPr>
+          <p:cNvSpPr txBox="1"/>
+          <p:nvPr/>
+        </p:nvSpPr>
+        <p:spPr>
+          <a:xfrm>
+            <a:off x="150930" y="66496"/>
+            <a:ext cx="4857481" cy="646331"/>
+          </a:xfrm>
+          <a:prstGeom prst="rect">
+            <a:avLst/>
+          </a:prstGeom>
+          <a:noFill/>
+        </p:spPr>
+        <p:txBody>
+          <a:bodyPr wrap="square" rtlCol="0">
+            <a:spAutoFit/>
+          </a:bodyPr>
+          <a:lstStyle/>
+          <a:p>
+            <a:r>
+              <a:rPr lang="en-US" sz="3600" u="sng" dirty="0"/>
+              <a:t>Object Classes</a:t>
+            </a:r>
+          </a:p>
+        </p:txBody>
+      </p:sp>
+      <p:sp>
+        <p:nvSpPr>
+          <p:cNvPr id="21" name="Rectangle: Rounded Corners 20">
+            <a:extLst>
+              <a:ext uri="{FF2B5EF4-FFF2-40B4-BE49-F238E27FC236}">
+                <a16:creationId xmlns:a16="http://schemas.microsoft.com/office/drawing/2014/main" id="{2914C0A4-D08D-8832-46A3-2A3C2CF4EBB6}"/>
+              </a:ext>
+            </a:extLst>
+          </p:cNvPr>
+          <p:cNvSpPr/>
+          <p:nvPr/>
+        </p:nvSpPr>
+        <p:spPr>
+          <a:xfrm>
+            <a:off x="409946" y="1945184"/>
+            <a:ext cx="3424843" cy="4409896"/>
+          </a:xfrm>
+          <a:prstGeom prst="roundRect">
+            <a:avLst/>
+          </a:prstGeom>
+          <a:solidFill>
+            <a:schemeClr val="bg1">
+              <a:lumMod val="95000"/>
+            </a:schemeClr>
+          </a:solidFill>
+          <a:ln>
+            <a:solidFill>
+              <a:schemeClr val="tx1"/>
+            </a:solidFill>
+          </a:ln>
+        </p:spPr>
+        <p:style>
+          <a:lnRef idx="2">
+            <a:schemeClr val="accent1">
+              <a:shade val="50000"/>
+            </a:schemeClr>
+          </a:lnRef>
+          <a:fillRef idx="1">
+            <a:schemeClr val="accent1"/>
+          </a:fillRef>
+          <a:effectRef idx="0">
+            <a:schemeClr val="accent1"/>
+          </a:effectRef>
+          <a:fontRef idx="minor">
+            <a:schemeClr val="lt1"/>
+          </a:fontRef>
+        </p:style>
+        <p:txBody>
+          <a:bodyPr rtlCol="0" anchor="ctr"/>
+          <a:lstStyle/>
+          <a:p>
+            <a:pPr algn="ctr"/>
+            <a:endParaRPr lang="en-US"/>
+          </a:p>
+        </p:txBody>
+      </p:sp>
+      <p:sp>
+        <p:nvSpPr>
+          <p:cNvPr id="22" name="TextBox 21">
+            <a:extLst>
+              <a:ext uri="{FF2B5EF4-FFF2-40B4-BE49-F238E27FC236}">
+                <a16:creationId xmlns:a16="http://schemas.microsoft.com/office/drawing/2014/main" id="{909105DA-28EA-A9E5-2515-E922C19E5D44}"/>
+              </a:ext>
+            </a:extLst>
+          </p:cNvPr>
+          <p:cNvSpPr txBox="1"/>
+          <p:nvPr/>
+        </p:nvSpPr>
+        <p:spPr>
+          <a:xfrm>
+            <a:off x="1792069" y="1990081"/>
+            <a:ext cx="1575201" cy="369332"/>
+          </a:xfrm>
+          <a:prstGeom prst="rect">
+            <a:avLst/>
+          </a:prstGeom>
+          <a:noFill/>
+        </p:spPr>
+        <p:txBody>
+          <a:bodyPr wrap="square" rtlCol="0">
+            <a:spAutoFit/>
+          </a:bodyPr>
+          <a:lstStyle/>
+          <a:p>
+            <a:r>
+              <a:rPr lang="en-US" b="1" dirty="0"/>
+              <a:t>User</a:t>
+            </a:r>
+          </a:p>
+        </p:txBody>
+      </p:sp>
+      <p:sp>
+        <p:nvSpPr>
+          <p:cNvPr id="24" name="TextBox 23">
+            <a:extLst>
+              <a:ext uri="{FF2B5EF4-FFF2-40B4-BE49-F238E27FC236}">
+                <a16:creationId xmlns:a16="http://schemas.microsoft.com/office/drawing/2014/main" id="{30A1BA13-EE5F-F0DD-8642-398F8C7B9B83}"/>
+              </a:ext>
+            </a:extLst>
+          </p:cNvPr>
+          <p:cNvSpPr txBox="1"/>
+          <p:nvPr/>
+        </p:nvSpPr>
+        <p:spPr>
+          <a:xfrm>
+            <a:off x="556953" y="2359413"/>
+            <a:ext cx="2140527" cy="2246769"/>
+          </a:xfrm>
+          <a:prstGeom prst="rect">
+            <a:avLst/>
+          </a:prstGeom>
+          <a:noFill/>
+        </p:spPr>
+        <p:txBody>
+          <a:bodyPr wrap="square" rtlCol="0">
+            <a:spAutoFit/>
+          </a:bodyPr>
+          <a:lstStyle/>
+          <a:p>
+            <a:r>
+              <a:rPr lang="en-US" sz="1400" dirty="0"/>
+              <a:t>ID</a:t>
+            </a:r>
+          </a:p>
+          <a:p>
+            <a:r>
+              <a:rPr lang="en-US" sz="1400" dirty="0" err="1"/>
+              <a:t>ObjectIdentifier</a:t>
+            </a:r>
+            <a:endParaRPr lang="en-US" sz="1400" dirty="0"/>
+          </a:p>
+          <a:p>
+            <a:r>
+              <a:rPr lang="en-US" sz="1400" dirty="0"/>
+              <a:t>FirstName</a:t>
+            </a:r>
+          </a:p>
+          <a:p>
+            <a:r>
+              <a:rPr lang="en-US" sz="1400" dirty="0" err="1"/>
+              <a:t>LastName</a:t>
+            </a:r>
+            <a:endParaRPr lang="en-US" sz="1400" dirty="0"/>
+          </a:p>
+          <a:p>
+            <a:r>
+              <a:rPr lang="en-US" sz="1400" dirty="0"/>
+              <a:t>DisplayName</a:t>
+            </a:r>
+          </a:p>
+          <a:p>
+            <a:r>
+              <a:rPr lang="en-US" sz="1400" dirty="0" err="1"/>
+              <a:t>EmailAddress</a:t>
+            </a:r>
+            <a:endParaRPr lang="en-US" sz="1400" dirty="0"/>
+          </a:p>
+          <a:p>
+            <a:r>
+              <a:rPr lang="en-US" sz="1400" dirty="0"/>
+              <a:t>Height</a:t>
+            </a:r>
+          </a:p>
+          <a:p>
+            <a:r>
+              <a:rPr lang="en-US" sz="1400" dirty="0"/>
+              <a:t>Weight</a:t>
+            </a:r>
+          </a:p>
+          <a:p>
+            <a:r>
+              <a:rPr lang="en-US" sz="1400" dirty="0"/>
+              <a:t>Goals</a:t>
+            </a:r>
+          </a:p>
+          <a:p>
+            <a:endParaRPr lang="en-US" sz="1400" dirty="0"/>
+          </a:p>
+        </p:txBody>
+      </p:sp>
     </p:spTree>
     <p:extLst>
       <p:ext uri="{BB962C8B-B14F-4D97-AF65-F5344CB8AC3E}">
-        <p14:creationId xmlns:p14="http://schemas.microsoft.com/office/powerpoint/2010/main" val="3055359814"/>
+        <p14:creationId xmlns:p14="http://schemas.microsoft.com/office/powerpoint/2010/main" val="1487941463"/>
       </p:ext>
     </p:extLst>
   </p:cSld>
@@ -4191,10 +5034,201 @@
           <a:chExt cx="0" cy="0"/>
         </a:xfrm>
       </p:grpSpPr>
+      <p:sp>
+        <p:nvSpPr>
+          <p:cNvPr id="15" name="TextBox 14">
+            <a:extLst>
+              <a:ext uri="{FF2B5EF4-FFF2-40B4-BE49-F238E27FC236}">
+                <a16:creationId xmlns:a16="http://schemas.microsoft.com/office/drawing/2014/main" id="{74CA0BBF-FFD8-D158-A8A4-832CC1BF02A7}"/>
+              </a:ext>
+            </a:extLst>
+          </p:cNvPr>
+          <p:cNvSpPr txBox="1"/>
+          <p:nvPr/>
+        </p:nvSpPr>
+        <p:spPr>
+          <a:xfrm>
+            <a:off x="150930" y="66496"/>
+            <a:ext cx="4857481" cy="646331"/>
+          </a:xfrm>
+          <a:prstGeom prst="rect">
+            <a:avLst/>
+          </a:prstGeom>
+          <a:noFill/>
+        </p:spPr>
+        <p:txBody>
+          <a:bodyPr wrap="square" rtlCol="0">
+            <a:spAutoFit/>
+          </a:bodyPr>
+          <a:lstStyle/>
+          <a:p>
+            <a:r>
+              <a:rPr lang="en-US" sz="3600" u="sng" dirty="0"/>
+              <a:t>Webpages</a:t>
+            </a:r>
+          </a:p>
+        </p:txBody>
+      </p:sp>
+      <p:sp>
+        <p:nvSpPr>
+          <p:cNvPr id="2" name="Rectangle: Rounded Corners 1">
+            <a:extLst>
+              <a:ext uri="{FF2B5EF4-FFF2-40B4-BE49-F238E27FC236}">
+                <a16:creationId xmlns:a16="http://schemas.microsoft.com/office/drawing/2014/main" id="{2AB7C2FA-D427-AF34-6830-6BD90B3EBB3A}"/>
+              </a:ext>
+            </a:extLst>
+          </p:cNvPr>
+          <p:cNvSpPr/>
+          <p:nvPr/>
+        </p:nvSpPr>
+        <p:spPr>
+          <a:xfrm>
+            <a:off x="409946" y="1945184"/>
+            <a:ext cx="3424843" cy="4409896"/>
+          </a:xfrm>
+          <a:prstGeom prst="roundRect">
+            <a:avLst/>
+          </a:prstGeom>
+          <a:solidFill>
+            <a:schemeClr val="bg1">
+              <a:lumMod val="95000"/>
+            </a:schemeClr>
+          </a:solidFill>
+          <a:ln>
+            <a:solidFill>
+              <a:schemeClr val="tx1"/>
+            </a:solidFill>
+          </a:ln>
+        </p:spPr>
+        <p:style>
+          <a:lnRef idx="2">
+            <a:schemeClr val="accent1">
+              <a:shade val="50000"/>
+            </a:schemeClr>
+          </a:lnRef>
+          <a:fillRef idx="1">
+            <a:schemeClr val="accent1"/>
+          </a:fillRef>
+          <a:effectRef idx="0">
+            <a:schemeClr val="accent1"/>
+          </a:effectRef>
+          <a:fontRef idx="minor">
+            <a:schemeClr val="lt1"/>
+          </a:fontRef>
+        </p:style>
+        <p:txBody>
+          <a:bodyPr rtlCol="0" anchor="ctr"/>
+          <a:lstStyle/>
+          <a:p>
+            <a:pPr algn="ctr"/>
+            <a:endParaRPr lang="en-US"/>
+          </a:p>
+        </p:txBody>
+      </p:sp>
+      <p:sp>
+        <p:nvSpPr>
+          <p:cNvPr id="3" name="TextBox 2">
+            <a:extLst>
+              <a:ext uri="{FF2B5EF4-FFF2-40B4-BE49-F238E27FC236}">
+                <a16:creationId xmlns:a16="http://schemas.microsoft.com/office/drawing/2014/main" id="{E7EA993B-9DBB-8F39-EC8A-FAE2C4941C5B}"/>
+              </a:ext>
+            </a:extLst>
+          </p:cNvPr>
+          <p:cNvSpPr txBox="1"/>
+          <p:nvPr/>
+        </p:nvSpPr>
+        <p:spPr>
+          <a:xfrm>
+            <a:off x="1750509" y="1990081"/>
+            <a:ext cx="1575201" cy="369332"/>
+          </a:xfrm>
+          <a:prstGeom prst="rect">
+            <a:avLst/>
+          </a:prstGeom>
+          <a:noFill/>
+        </p:spPr>
+        <p:txBody>
+          <a:bodyPr wrap="square" rtlCol="0">
+            <a:spAutoFit/>
+          </a:bodyPr>
+          <a:lstStyle/>
+          <a:p>
+            <a:r>
+              <a:rPr lang="en-US" b="1" dirty="0"/>
+              <a:t>Login</a:t>
+            </a:r>
+          </a:p>
+        </p:txBody>
+      </p:sp>
     </p:spTree>
     <p:extLst>
       <p:ext uri="{BB962C8B-B14F-4D97-AF65-F5344CB8AC3E}">
-        <p14:creationId xmlns:p14="http://schemas.microsoft.com/office/powerpoint/2010/main" val="2224327915"/>
+        <p14:creationId xmlns:p14="http://schemas.microsoft.com/office/powerpoint/2010/main" val="671967356"/>
+      </p:ext>
+    </p:extLst>
+  </p:cSld>
+  <p:clrMapOvr>
+    <a:masterClrMapping/>
+  </p:clrMapOvr>
+</p:sld>
+</file>
+
+<file path=ppt/slides/slide4.xml><?xml version="1.0" encoding="utf-8"?>
+<p:sld xmlns:a="http://schemas.openxmlformats.org/drawingml/2006/main" xmlns:r="http://schemas.openxmlformats.org/officeDocument/2006/relationships" xmlns:p="http://schemas.openxmlformats.org/presentationml/2006/main">
+  <p:cSld>
+    <p:spTree>
+      <p:nvGrpSpPr>
+        <p:cNvPr id="1" name=""/>
+        <p:cNvGrpSpPr/>
+        <p:nvPr/>
+      </p:nvGrpSpPr>
+      <p:grpSpPr>
+        <a:xfrm>
+          <a:off x="0" y="0"/>
+          <a:ext cx="0" cy="0"/>
+          <a:chOff x="0" y="0"/>
+          <a:chExt cx="0" cy="0"/>
+        </a:xfrm>
+      </p:grpSpPr>
+      <p:sp>
+        <p:nvSpPr>
+          <p:cNvPr id="15" name="TextBox 14">
+            <a:extLst>
+              <a:ext uri="{FF2B5EF4-FFF2-40B4-BE49-F238E27FC236}">
+                <a16:creationId xmlns:a16="http://schemas.microsoft.com/office/drawing/2014/main" id="{74CA0BBF-FFD8-D158-A8A4-832CC1BF02A7}"/>
+              </a:ext>
+            </a:extLst>
+          </p:cNvPr>
+          <p:cNvSpPr txBox="1"/>
+          <p:nvPr/>
+        </p:nvSpPr>
+        <p:spPr>
+          <a:xfrm>
+            <a:off x="150930" y="66496"/>
+            <a:ext cx="4857481" cy="646331"/>
+          </a:xfrm>
+          <a:prstGeom prst="rect">
+            <a:avLst/>
+          </a:prstGeom>
+          <a:noFill/>
+        </p:spPr>
+        <p:txBody>
+          <a:bodyPr wrap="square" rtlCol="0">
+            <a:spAutoFit/>
+          </a:bodyPr>
+          <a:lstStyle/>
+          <a:p>
+            <a:r>
+              <a:rPr lang="en-US" sz="3600" u="sng" dirty="0"/>
+              <a:t>Header</a:t>
+            </a:r>
+          </a:p>
+        </p:txBody>
+      </p:sp>
+    </p:spTree>
+    <p:extLst>
+      <p:ext uri="{BB962C8B-B14F-4D97-AF65-F5344CB8AC3E}">
+        <p14:creationId xmlns:p14="http://schemas.microsoft.com/office/powerpoint/2010/main" val="3472334390"/>
       </p:ext>
     </p:extLst>
   </p:cSld>

--- a/doc/HolyFitArchitecture.pptx
+++ b/doc/HolyFitArchitecture.pptx
@@ -5,13 +5,14 @@
     <p:sldMasterId id="2147483648" r:id="rId1"/>
   </p:sldMasterIdLst>
   <p:notesMasterIdLst>
-    <p:notesMasterId r:id="rId6"/>
+    <p:notesMasterId r:id="rId7"/>
   </p:notesMasterIdLst>
   <p:sldIdLst>
     <p:sldId id="256" r:id="rId2"/>
-    <p:sldId id="261" r:id="rId3"/>
-    <p:sldId id="262" r:id="rId4"/>
-    <p:sldId id="263" r:id="rId5"/>
+    <p:sldId id="264" r:id="rId3"/>
+    <p:sldId id="261" r:id="rId4"/>
+    <p:sldId id="262" r:id="rId5"/>
+    <p:sldId id="263" r:id="rId6"/>
   </p:sldIdLst>
   <p:sldSz cx="12192000" cy="6858000"/>
   <p:notesSz cx="6858000" cy="9144000"/>
@@ -200,7 +201,7 @@
           <a:p>
             <a:fld id="{DA65761E-F313-4FBE-B0F6-ACBC358BA060}" type="datetimeFigureOut">
               <a:rPr lang="en-US" smtClean="0"/>
-              <a:t>12/12/2022</a:t>
+              <a:t>12/12/22</a:t>
             </a:fld>
             <a:endParaRPr lang="en-US"/>
           </a:p>
@@ -616,7 +617,7 @@
           <a:p>
             <a:fld id="{4108D638-A353-4576-903B-623E04B87701}" type="slidenum">
               <a:rPr lang="en-US" smtClean="0"/>
-              <a:t>2</a:t>
+              <a:t>3</a:t>
             </a:fld>
             <a:endParaRPr lang="en-US"/>
           </a:p>
@@ -700,7 +701,7 @@
           <a:p>
             <a:fld id="{4108D638-A353-4576-903B-623E04B87701}" type="slidenum">
               <a:rPr lang="en-US" smtClean="0"/>
-              <a:t>3</a:t>
+              <a:t>4</a:t>
             </a:fld>
             <a:endParaRPr lang="en-US"/>
           </a:p>
@@ -784,7 +785,7 @@
           <a:p>
             <a:fld id="{4108D638-A353-4576-903B-623E04B87701}" type="slidenum">
               <a:rPr lang="en-US" smtClean="0"/>
-              <a:t>4</a:t>
+              <a:t>5</a:t>
             </a:fld>
             <a:endParaRPr lang="en-US"/>
           </a:p>
@@ -950,7 +951,7 @@
           <a:p>
             <a:fld id="{EC0E0138-5316-4B90-9C06-C85F97D67A70}" type="datetimeFigureOut">
               <a:rPr lang="en-US" smtClean="0"/>
-              <a:t>12/12/2022</a:t>
+              <a:t>12/12/22</a:t>
             </a:fld>
             <a:endParaRPr lang="en-US"/>
           </a:p>
@@ -1148,7 +1149,7 @@
           <a:p>
             <a:fld id="{EC0E0138-5316-4B90-9C06-C85F97D67A70}" type="datetimeFigureOut">
               <a:rPr lang="en-US" smtClean="0"/>
-              <a:t>12/12/2022</a:t>
+              <a:t>12/12/22</a:t>
             </a:fld>
             <a:endParaRPr lang="en-US"/>
           </a:p>
@@ -1356,7 +1357,7 @@
           <a:p>
             <a:fld id="{EC0E0138-5316-4B90-9C06-C85F97D67A70}" type="datetimeFigureOut">
               <a:rPr lang="en-US" smtClean="0"/>
-              <a:t>12/12/2022</a:t>
+              <a:t>12/12/22</a:t>
             </a:fld>
             <a:endParaRPr lang="en-US"/>
           </a:p>
@@ -1554,7 +1555,7 @@
           <a:p>
             <a:fld id="{EC0E0138-5316-4B90-9C06-C85F97D67A70}" type="datetimeFigureOut">
               <a:rPr lang="en-US" smtClean="0"/>
-              <a:t>12/12/2022</a:t>
+              <a:t>12/12/22</a:t>
             </a:fld>
             <a:endParaRPr lang="en-US"/>
           </a:p>
@@ -1829,7 +1830,7 @@
           <a:p>
             <a:fld id="{EC0E0138-5316-4B90-9C06-C85F97D67A70}" type="datetimeFigureOut">
               <a:rPr lang="en-US" smtClean="0"/>
-              <a:t>12/12/2022</a:t>
+              <a:t>12/12/22</a:t>
             </a:fld>
             <a:endParaRPr lang="en-US"/>
           </a:p>
@@ -2094,7 +2095,7 @@
           <a:p>
             <a:fld id="{EC0E0138-5316-4B90-9C06-C85F97D67A70}" type="datetimeFigureOut">
               <a:rPr lang="en-US" smtClean="0"/>
-              <a:t>12/12/2022</a:t>
+              <a:t>12/12/22</a:t>
             </a:fld>
             <a:endParaRPr lang="en-US"/>
           </a:p>
@@ -2506,7 +2507,7 @@
           <a:p>
             <a:fld id="{EC0E0138-5316-4B90-9C06-C85F97D67A70}" type="datetimeFigureOut">
               <a:rPr lang="en-US" smtClean="0"/>
-              <a:t>12/12/2022</a:t>
+              <a:t>12/12/22</a:t>
             </a:fld>
             <a:endParaRPr lang="en-US"/>
           </a:p>
@@ -2647,7 +2648,7 @@
           <a:p>
             <a:fld id="{EC0E0138-5316-4B90-9C06-C85F97D67A70}" type="datetimeFigureOut">
               <a:rPr lang="en-US" smtClean="0"/>
-              <a:t>12/12/2022</a:t>
+              <a:t>12/12/22</a:t>
             </a:fld>
             <a:endParaRPr lang="en-US"/>
           </a:p>
@@ -2760,7 +2761,7 @@
           <a:p>
             <a:fld id="{EC0E0138-5316-4B90-9C06-C85F97D67A70}" type="datetimeFigureOut">
               <a:rPr lang="en-US" smtClean="0"/>
-              <a:t>12/12/2022</a:t>
+              <a:t>12/12/22</a:t>
             </a:fld>
             <a:endParaRPr lang="en-US"/>
           </a:p>
@@ -3071,7 +3072,7 @@
           <a:p>
             <a:fld id="{EC0E0138-5316-4B90-9C06-C85F97D67A70}" type="datetimeFigureOut">
               <a:rPr lang="en-US" smtClean="0"/>
-              <a:t>12/12/2022</a:t>
+              <a:t>12/12/22</a:t>
             </a:fld>
             <a:endParaRPr lang="en-US"/>
           </a:p>
@@ -3359,7 +3360,7 @@
           <a:p>
             <a:fld id="{EC0E0138-5316-4B90-9C06-C85F97D67A70}" type="datetimeFigureOut">
               <a:rPr lang="en-US" smtClean="0"/>
-              <a:t>12/12/2022</a:t>
+              <a:t>12/12/22</a:t>
             </a:fld>
             <a:endParaRPr lang="en-US"/>
           </a:p>
@@ -3600,7 +3601,7 @@
           <a:p>
             <a:fld id="{EC0E0138-5316-4B90-9C06-C85F97D67A70}" type="datetimeFigureOut">
               <a:rPr lang="en-US" smtClean="0"/>
-              <a:t>12/12/2022</a:t>
+              <a:t>12/12/22</a:t>
             </a:fld>
             <a:endParaRPr lang="en-US"/>
           </a:p>
@@ -4791,6 +4792,118 @@
       </p:grpSpPr>
       <p:sp>
         <p:nvSpPr>
+          <p:cNvPr id="2" name="Title 1">
+            <a:extLst>
+              <a:ext uri="{FF2B5EF4-FFF2-40B4-BE49-F238E27FC236}">
+                <a16:creationId xmlns:a16="http://schemas.microsoft.com/office/drawing/2014/main" id="{BBE6CD58-BA6B-CE71-7F1D-C45502EBA51E}"/>
+              </a:ext>
+            </a:extLst>
+          </p:cNvPr>
+          <p:cNvSpPr>
+            <a:spLocks noGrp="1"/>
+          </p:cNvSpPr>
+          <p:nvPr>
+            <p:ph type="title"/>
+          </p:nvPr>
+        </p:nvSpPr>
+        <p:spPr>
+          <a:xfrm>
+            <a:off x="0" y="18255"/>
+            <a:ext cx="10515600" cy="1325563"/>
+          </a:xfrm>
+        </p:spPr>
+        <p:txBody>
+          <a:bodyPr>
+            <a:normAutofit/>
+          </a:bodyPr>
+          <a:lstStyle/>
+          <a:p>
+            <a:r>
+              <a:rPr lang="en-US" sz="3600" dirty="0">
+                <a:latin typeface="+mn-lt"/>
+              </a:rPr>
+              <a:t>Relationship with Azure AD and </a:t>
+            </a:r>
+            <a:r>
+              <a:rPr lang="en-US" sz="3600" dirty="0" err="1">
+                <a:latin typeface="+mn-lt"/>
+              </a:rPr>
+              <a:t>.Net</a:t>
+            </a:r>
+            <a:endParaRPr lang="en-US" sz="3600" dirty="0">
+              <a:latin typeface="+mn-lt"/>
+            </a:endParaRPr>
+          </a:p>
+        </p:txBody>
+      </p:sp>
+      <p:pic>
+        <p:nvPicPr>
+          <p:cNvPr id="5" name="Picture 4" descr="Diagram&#10;&#10;Description automatically generated">
+            <a:extLst>
+              <a:ext uri="{FF2B5EF4-FFF2-40B4-BE49-F238E27FC236}">
+                <a16:creationId xmlns:a16="http://schemas.microsoft.com/office/drawing/2014/main" id="{3E4454BE-6066-0E0B-CF23-D418EB183516}"/>
+              </a:ext>
+            </a:extLst>
+          </p:cNvPr>
+          <p:cNvPicPr>
+            <a:picLocks noChangeAspect="1"/>
+          </p:cNvPicPr>
+          <p:nvPr/>
+        </p:nvPicPr>
+        <p:blipFill>
+          <a:blip r:embed="rId2">
+            <a:extLst>
+              <a:ext uri="{28A0092B-C50C-407E-A947-70E740481C1C}">
+                <a14:useLocalDpi xmlns:a14="http://schemas.microsoft.com/office/drawing/2010/main" val="0"/>
+              </a:ext>
+            </a:extLst>
+          </a:blip>
+          <a:stretch>
+            <a:fillRect/>
+          </a:stretch>
+        </p:blipFill>
+        <p:spPr>
+          <a:xfrm>
+            <a:off x="2209800" y="1343818"/>
+            <a:ext cx="7772400" cy="5263441"/>
+          </a:xfrm>
+          <a:prstGeom prst="rect">
+            <a:avLst/>
+          </a:prstGeom>
+        </p:spPr>
+      </p:pic>
+    </p:spTree>
+    <p:extLst>
+      <p:ext uri="{BB962C8B-B14F-4D97-AF65-F5344CB8AC3E}">
+        <p14:creationId xmlns:p14="http://schemas.microsoft.com/office/powerpoint/2010/main" val="3049496174"/>
+      </p:ext>
+    </p:extLst>
+  </p:cSld>
+  <p:clrMapOvr>
+    <a:masterClrMapping/>
+  </p:clrMapOvr>
+</p:sld>
+</file>
+
+<file path=ppt/slides/slide3.xml><?xml version="1.0" encoding="utf-8"?>
+<p:sld xmlns:a="http://schemas.openxmlformats.org/drawingml/2006/main" xmlns:r="http://schemas.openxmlformats.org/officeDocument/2006/relationships" xmlns:p="http://schemas.openxmlformats.org/presentationml/2006/main">
+  <p:cSld>
+    <p:spTree>
+      <p:nvGrpSpPr>
+        <p:cNvPr id="1" name=""/>
+        <p:cNvGrpSpPr/>
+        <p:nvPr/>
+      </p:nvGrpSpPr>
+      <p:grpSpPr>
+        <a:xfrm>
+          <a:off x="0" y="0"/>
+          <a:ext cx="0" cy="0"/>
+          <a:chOff x="0" y="0"/>
+          <a:chExt cx="0" cy="0"/>
+        </a:xfrm>
+      </p:grpSpPr>
+      <p:sp>
+        <p:nvSpPr>
           <p:cNvPr id="15" name="TextBox 14">
             <a:extLst>
               <a:ext uri="{FF2B5EF4-FFF2-40B4-BE49-F238E27FC236}">
@@ -4819,7 +4932,7 @@
           <a:p>
             <a:r>
               <a:rPr lang="en-US" sz="3600" u="sng" dirty="0"/>
-              <a:t>Object Classes</a:t>
+              <a:t>Models</a:t>
             </a:r>
           </a:p>
         </p:txBody>
@@ -4876,7 +4989,7 @@
           <a:lstStyle/>
           <a:p>
             <a:pPr algn="ctr"/>
-            <a:endParaRPr lang="en-US"/>
+            <a:endParaRPr lang="en-US" dirty="0"/>
           </a:p>
         </p:txBody>
       </p:sp>
@@ -4929,8 +5042,8 @@
         </p:nvSpPr>
         <p:spPr>
           <a:xfrm>
-            <a:off x="556953" y="2359413"/>
-            <a:ext cx="2140527" cy="2246769"/>
+            <a:off x="409947" y="2709110"/>
+            <a:ext cx="3259846" cy="2246769"/>
           </a:xfrm>
           <a:prstGeom prst="rect">
             <a:avLst/>
@@ -4944,62 +5057,1467 @@
           <a:lstStyle/>
           <a:p>
             <a:r>
-              <a:rPr lang="en-US" sz="1400" dirty="0"/>
-              <a:t>ID</a:t>
-            </a:r>
-          </a:p>
-          <a:p>
-            <a:r>
-              <a:rPr lang="en-US" sz="1400" dirty="0" err="1"/>
+              <a:rPr lang="en-US" sz="1400" b="0" i="0" dirty="0">
+                <a:effectLst/>
+                <a:latin typeface="ui-monospace"/>
+              </a:rPr>
+              <a:t>string</a:t>
+            </a:r>
+            <a:r>
+              <a:rPr lang="en-US" sz="1400" b="0" i="0" dirty="0">
+                <a:solidFill>
+                  <a:srgbClr val="C9D1D9"/>
+                </a:solidFill>
+                <a:effectLst/>
+                <a:latin typeface="ui-monospace"/>
+              </a:rPr>
+              <a:t> </a:t>
+            </a:r>
+            <a:r>
+              <a:rPr lang="en-US" sz="1400" b="0" i="0" dirty="0">
+                <a:effectLst/>
+                <a:latin typeface="ui-monospace"/>
+              </a:rPr>
+              <a:t>Id</a:t>
+            </a:r>
+            <a:r>
+              <a:rPr lang="en-US" sz="1400" b="0" i="0" dirty="0">
+                <a:solidFill>
+                  <a:srgbClr val="C9D1D9"/>
+                </a:solidFill>
+                <a:effectLst/>
+                <a:latin typeface="ui-monospace"/>
+              </a:rPr>
+              <a:t> { </a:t>
+            </a:r>
+            <a:r>
+              <a:rPr lang="en-US" sz="1400" b="0" i="0" dirty="0">
+                <a:effectLst/>
+                <a:latin typeface="ui-monospace"/>
+              </a:rPr>
+              <a:t>get</a:t>
+            </a:r>
+            <a:r>
+              <a:rPr lang="en-US" sz="1400" b="0" i="0" dirty="0">
+                <a:solidFill>
+                  <a:srgbClr val="C9D1D9"/>
+                </a:solidFill>
+                <a:effectLst/>
+                <a:latin typeface="ui-monospace"/>
+              </a:rPr>
+              <a:t>; </a:t>
+            </a:r>
+            <a:r>
+              <a:rPr lang="en-US" sz="1400" b="0" i="0" dirty="0">
+                <a:effectLst/>
+                <a:latin typeface="ui-monospace"/>
+              </a:rPr>
+              <a:t>set</a:t>
+            </a:r>
+            <a:r>
+              <a:rPr lang="en-US" sz="1400" b="0" i="0" dirty="0">
+                <a:solidFill>
+                  <a:srgbClr val="C9D1D9"/>
+                </a:solidFill>
+                <a:effectLst/>
+                <a:latin typeface="ui-monospace"/>
+              </a:rPr>
+              <a:t>; }</a:t>
+            </a:r>
+            <a:endParaRPr lang="en-US" sz="1400" dirty="0"/>
+          </a:p>
+          <a:p>
+            <a:r>
+              <a:rPr lang="en-US" sz="1400" b="0" i="0" dirty="0">
+                <a:effectLst/>
+                <a:latin typeface="ui-monospace"/>
+              </a:rPr>
+              <a:t>string</a:t>
+            </a:r>
+            <a:r>
+              <a:rPr lang="en-US" sz="1400" b="0" i="0" dirty="0">
+                <a:solidFill>
+                  <a:srgbClr val="C9D1D9"/>
+                </a:solidFill>
+                <a:effectLst/>
+                <a:latin typeface="ui-monospace"/>
+              </a:rPr>
+              <a:t> </a:t>
+            </a:r>
+            <a:r>
+              <a:rPr lang="en-US" sz="1400" b="0" i="0" dirty="0" err="1">
+                <a:effectLst/>
+                <a:latin typeface="ui-monospace"/>
+              </a:rPr>
               <a:t>ObjectIdentifier</a:t>
             </a:r>
+            <a:r>
+              <a:rPr lang="en-US" sz="1400" b="0" i="0" dirty="0">
+                <a:solidFill>
+                  <a:srgbClr val="C9D1D9"/>
+                </a:solidFill>
+                <a:effectLst/>
+                <a:latin typeface="ui-monospace"/>
+              </a:rPr>
+              <a:t> { </a:t>
+            </a:r>
+            <a:r>
+              <a:rPr lang="en-US" sz="1400" b="0" i="0" dirty="0">
+                <a:effectLst/>
+                <a:latin typeface="ui-monospace"/>
+              </a:rPr>
+              <a:t>get</a:t>
+            </a:r>
+            <a:r>
+              <a:rPr lang="en-US" sz="1400" b="0" i="0" dirty="0">
+                <a:solidFill>
+                  <a:srgbClr val="C9D1D9"/>
+                </a:solidFill>
+                <a:effectLst/>
+                <a:latin typeface="ui-monospace"/>
+              </a:rPr>
+              <a:t>; </a:t>
+            </a:r>
+            <a:r>
+              <a:rPr lang="en-US" sz="1400" b="0" i="0" dirty="0">
+                <a:effectLst/>
+                <a:latin typeface="ui-monospace"/>
+              </a:rPr>
+              <a:t>set</a:t>
+            </a:r>
+            <a:r>
+              <a:rPr lang="en-US" sz="1400" b="0" i="0" dirty="0">
+                <a:solidFill>
+                  <a:srgbClr val="C9D1D9"/>
+                </a:solidFill>
+                <a:effectLst/>
+                <a:latin typeface="ui-monospace"/>
+              </a:rPr>
+              <a:t>;} </a:t>
+            </a:r>
+          </a:p>
+          <a:p>
+            <a:r>
+              <a:rPr lang="en-US" sz="1400" b="0" i="0" dirty="0">
+                <a:effectLst/>
+                <a:latin typeface="ui-monospace"/>
+              </a:rPr>
+              <a:t>string</a:t>
+            </a:r>
+            <a:r>
+              <a:rPr lang="en-US" sz="1400" b="0" i="0" dirty="0">
+                <a:solidFill>
+                  <a:srgbClr val="C9D1D9"/>
+                </a:solidFill>
+                <a:effectLst/>
+                <a:latin typeface="ui-monospace"/>
+              </a:rPr>
+              <a:t> </a:t>
+            </a:r>
+            <a:r>
+              <a:rPr lang="en-US" sz="1400" b="0" i="0" dirty="0">
+                <a:effectLst/>
+                <a:latin typeface="ui-monospace"/>
+              </a:rPr>
+              <a:t>FirstName</a:t>
+            </a:r>
+            <a:r>
+              <a:rPr lang="en-US" sz="1400" b="0" i="0" dirty="0">
+                <a:solidFill>
+                  <a:srgbClr val="C9D1D9"/>
+                </a:solidFill>
+                <a:effectLst/>
+                <a:latin typeface="ui-monospace"/>
+              </a:rPr>
+              <a:t> { </a:t>
+            </a:r>
+            <a:r>
+              <a:rPr lang="en-US" sz="1400" b="0" i="0" dirty="0">
+                <a:effectLst/>
+                <a:latin typeface="ui-monospace"/>
+              </a:rPr>
+              <a:t>get</a:t>
+            </a:r>
+            <a:r>
+              <a:rPr lang="en-US" sz="1400" b="0" i="0" dirty="0">
+                <a:solidFill>
+                  <a:srgbClr val="C9D1D9"/>
+                </a:solidFill>
+                <a:effectLst/>
+                <a:latin typeface="ui-monospace"/>
+              </a:rPr>
+              <a:t>; </a:t>
+            </a:r>
+            <a:r>
+              <a:rPr lang="en-US" sz="1400" b="0" i="0" dirty="0">
+                <a:effectLst/>
+                <a:latin typeface="ui-monospace"/>
+              </a:rPr>
+              <a:t>set</a:t>
+            </a:r>
+            <a:r>
+              <a:rPr lang="en-US" sz="1400" b="0" i="0" dirty="0">
+                <a:solidFill>
+                  <a:srgbClr val="C9D1D9"/>
+                </a:solidFill>
+                <a:effectLst/>
+                <a:latin typeface="ui-monospace"/>
+              </a:rPr>
+              <a:t>; }</a:t>
+            </a:r>
             <a:endParaRPr lang="en-US" sz="1400" dirty="0"/>
           </a:p>
           <a:p>
             <a:r>
-              <a:rPr lang="en-US" sz="1400" dirty="0"/>
-              <a:t>FirstName</a:t>
-            </a:r>
-          </a:p>
-          <a:p>
-            <a:r>
-              <a:rPr lang="en-US" sz="1400" dirty="0" err="1"/>
+              <a:rPr lang="en-US" sz="1400" b="0" i="0" dirty="0">
+                <a:effectLst/>
+                <a:latin typeface="ui-monospace"/>
+              </a:rPr>
+              <a:t>string</a:t>
+            </a:r>
+            <a:r>
+              <a:rPr lang="en-US" sz="1400" b="0" i="0" dirty="0">
+                <a:solidFill>
+                  <a:srgbClr val="C9D1D9"/>
+                </a:solidFill>
+                <a:effectLst/>
+                <a:latin typeface="ui-monospace"/>
+              </a:rPr>
+              <a:t> </a:t>
+            </a:r>
+            <a:r>
+              <a:rPr lang="en-US" sz="1400" b="0" i="0" dirty="0" err="1">
+                <a:effectLst/>
+                <a:latin typeface="ui-monospace"/>
+              </a:rPr>
               <a:t>LastName</a:t>
             </a:r>
+            <a:r>
+              <a:rPr lang="en-US" sz="1400" b="0" i="0" dirty="0">
+                <a:solidFill>
+                  <a:srgbClr val="C9D1D9"/>
+                </a:solidFill>
+                <a:effectLst/>
+                <a:latin typeface="ui-monospace"/>
+              </a:rPr>
+              <a:t> { </a:t>
+            </a:r>
+            <a:r>
+              <a:rPr lang="en-US" sz="1400" b="0" i="0" dirty="0">
+                <a:effectLst/>
+                <a:latin typeface="ui-monospace"/>
+              </a:rPr>
+              <a:t>get</a:t>
+            </a:r>
+            <a:r>
+              <a:rPr lang="en-US" sz="1400" b="0" i="0" dirty="0">
+                <a:solidFill>
+                  <a:srgbClr val="C9D1D9"/>
+                </a:solidFill>
+                <a:effectLst/>
+                <a:latin typeface="ui-monospace"/>
+              </a:rPr>
+              <a:t>; </a:t>
+            </a:r>
+            <a:r>
+              <a:rPr lang="en-US" sz="1400" b="0" i="0" dirty="0">
+                <a:effectLst/>
+                <a:latin typeface="ui-monospace"/>
+              </a:rPr>
+              <a:t>set</a:t>
+            </a:r>
+            <a:r>
+              <a:rPr lang="en-US" sz="1400" b="0" i="0" dirty="0">
+                <a:solidFill>
+                  <a:srgbClr val="C9D1D9"/>
+                </a:solidFill>
+                <a:effectLst/>
+                <a:latin typeface="ui-monospace"/>
+              </a:rPr>
+              <a:t>; }</a:t>
+            </a:r>
+          </a:p>
+          <a:p>
+            <a:r>
+              <a:rPr lang="en-US" sz="1400" b="0" i="0" dirty="0">
+                <a:effectLst/>
+                <a:latin typeface="ui-monospace"/>
+              </a:rPr>
+              <a:t>string</a:t>
+            </a:r>
+            <a:r>
+              <a:rPr lang="en-US" sz="1400" b="0" i="0" dirty="0">
+                <a:solidFill>
+                  <a:srgbClr val="C9D1D9"/>
+                </a:solidFill>
+                <a:effectLst/>
+                <a:latin typeface="ui-monospace"/>
+              </a:rPr>
+              <a:t> </a:t>
+            </a:r>
+            <a:r>
+              <a:rPr lang="en-US" sz="1400" b="0" i="0" dirty="0">
+                <a:effectLst/>
+                <a:latin typeface="ui-monospace"/>
+              </a:rPr>
+              <a:t>DisplayName</a:t>
+            </a:r>
+            <a:r>
+              <a:rPr lang="en-US" sz="1400" b="0" i="0" dirty="0">
+                <a:solidFill>
+                  <a:srgbClr val="C9D1D9"/>
+                </a:solidFill>
+                <a:effectLst/>
+                <a:latin typeface="ui-monospace"/>
+              </a:rPr>
+              <a:t> { </a:t>
+            </a:r>
+            <a:r>
+              <a:rPr lang="en-US" sz="1400" b="0" i="0" dirty="0">
+                <a:effectLst/>
+                <a:latin typeface="ui-monospace"/>
+              </a:rPr>
+              <a:t>get</a:t>
+            </a:r>
+            <a:r>
+              <a:rPr lang="en-US" sz="1400" b="0" i="0" dirty="0">
+                <a:solidFill>
+                  <a:srgbClr val="C9D1D9"/>
+                </a:solidFill>
+                <a:effectLst/>
+                <a:latin typeface="ui-monospace"/>
+              </a:rPr>
+              <a:t>; </a:t>
+            </a:r>
+            <a:r>
+              <a:rPr lang="en-US" sz="1400" b="0" i="0" dirty="0">
+                <a:effectLst/>
+                <a:latin typeface="ui-monospace"/>
+              </a:rPr>
+              <a:t>set</a:t>
+            </a:r>
+            <a:r>
+              <a:rPr lang="en-US" sz="1400" b="0" i="0" dirty="0">
+                <a:solidFill>
+                  <a:srgbClr val="C9D1D9"/>
+                </a:solidFill>
+                <a:effectLst/>
+                <a:latin typeface="ui-monospace"/>
+              </a:rPr>
+              <a:t>;} </a:t>
+            </a:r>
+          </a:p>
+          <a:p>
+            <a:r>
+              <a:rPr lang="en-US" sz="1400" b="0" i="0" dirty="0">
+                <a:effectLst/>
+                <a:latin typeface="ui-monospace"/>
+              </a:rPr>
+              <a:t>string</a:t>
+            </a:r>
+            <a:r>
+              <a:rPr lang="en-US" sz="1400" b="0" i="0" dirty="0">
+                <a:solidFill>
+                  <a:srgbClr val="C9D1D9"/>
+                </a:solidFill>
+                <a:effectLst/>
+                <a:latin typeface="ui-monospace"/>
+              </a:rPr>
+              <a:t> </a:t>
+            </a:r>
+            <a:r>
+              <a:rPr lang="en-US" sz="1400" b="0" i="0" dirty="0" err="1">
+                <a:effectLst/>
+                <a:latin typeface="ui-monospace"/>
+              </a:rPr>
+              <a:t>EmailAddress</a:t>
+            </a:r>
+            <a:r>
+              <a:rPr lang="en-US" sz="1400" b="0" i="0" dirty="0">
+                <a:solidFill>
+                  <a:srgbClr val="C9D1D9"/>
+                </a:solidFill>
+                <a:effectLst/>
+                <a:latin typeface="ui-monospace"/>
+              </a:rPr>
+              <a:t> { </a:t>
+            </a:r>
+            <a:r>
+              <a:rPr lang="en-US" sz="1400" b="0" i="0" dirty="0">
+                <a:effectLst/>
+                <a:latin typeface="ui-monospace"/>
+              </a:rPr>
+              <a:t>get</a:t>
+            </a:r>
+            <a:r>
+              <a:rPr lang="en-US" sz="1400" b="0" i="0" dirty="0">
+                <a:solidFill>
+                  <a:srgbClr val="C9D1D9"/>
+                </a:solidFill>
+                <a:effectLst/>
+                <a:latin typeface="ui-monospace"/>
+              </a:rPr>
+              <a:t>; </a:t>
+            </a:r>
+            <a:r>
+              <a:rPr lang="en-US" sz="1400" b="0" i="0" dirty="0">
+                <a:effectLst/>
+                <a:latin typeface="ui-monospace"/>
+              </a:rPr>
+              <a:t>set</a:t>
+            </a:r>
+            <a:r>
+              <a:rPr lang="en-US" sz="1400" b="0" i="0" dirty="0">
+                <a:solidFill>
+                  <a:srgbClr val="C9D1D9"/>
+                </a:solidFill>
+                <a:effectLst/>
+                <a:latin typeface="ui-monospace"/>
+              </a:rPr>
+              <a:t>; }</a:t>
+            </a:r>
             <a:endParaRPr lang="en-US" sz="1400" dirty="0"/>
           </a:p>
           <a:p>
             <a:r>
-              <a:rPr lang="en-US" sz="1400" dirty="0"/>
-              <a:t>DisplayName</a:t>
-            </a:r>
-          </a:p>
-          <a:p>
-            <a:r>
-              <a:rPr lang="en-US" sz="1400" dirty="0" err="1"/>
-              <a:t>EmailAddress</a:t>
+              <a:rPr lang="en-US" sz="1400" b="0" i="0" dirty="0">
+                <a:effectLst/>
+                <a:latin typeface="ui-monospace"/>
+              </a:rPr>
+              <a:t>double</a:t>
+            </a:r>
+            <a:r>
+              <a:rPr lang="en-US" sz="1400" b="0" i="0" dirty="0">
+                <a:solidFill>
+                  <a:srgbClr val="C9D1D9"/>
+                </a:solidFill>
+                <a:effectLst/>
+                <a:latin typeface="ui-monospace"/>
+              </a:rPr>
+              <a:t> </a:t>
+            </a:r>
+            <a:r>
+              <a:rPr lang="en-US" sz="1400" b="0" i="0" dirty="0">
+                <a:effectLst/>
+                <a:latin typeface="ui-monospace"/>
+              </a:rPr>
+              <a:t>Height</a:t>
+            </a:r>
+            <a:r>
+              <a:rPr lang="en-US" sz="1400" b="0" i="0" dirty="0">
+                <a:solidFill>
+                  <a:srgbClr val="C9D1D9"/>
+                </a:solidFill>
+                <a:effectLst/>
+                <a:latin typeface="ui-monospace"/>
+              </a:rPr>
+              <a:t> { </a:t>
+            </a:r>
+            <a:r>
+              <a:rPr lang="en-US" sz="1400" b="0" i="0" dirty="0">
+                <a:effectLst/>
+                <a:latin typeface="ui-monospace"/>
+              </a:rPr>
+              <a:t>get</a:t>
+            </a:r>
+            <a:r>
+              <a:rPr lang="en-US" sz="1400" b="0" i="0" dirty="0">
+                <a:solidFill>
+                  <a:srgbClr val="C9D1D9"/>
+                </a:solidFill>
+                <a:effectLst/>
+                <a:latin typeface="ui-monospace"/>
+              </a:rPr>
+              <a:t>; </a:t>
+            </a:r>
+            <a:r>
+              <a:rPr lang="en-US" sz="1400" b="0" i="0" dirty="0">
+                <a:effectLst/>
+                <a:latin typeface="ui-monospace"/>
+              </a:rPr>
+              <a:t>set</a:t>
+            </a:r>
+            <a:r>
+              <a:rPr lang="en-US" sz="1400" b="0" i="0" dirty="0">
+                <a:solidFill>
+                  <a:srgbClr val="C9D1D9"/>
+                </a:solidFill>
+                <a:effectLst/>
+                <a:latin typeface="ui-monospace"/>
+              </a:rPr>
+              <a:t>; }</a:t>
+            </a:r>
+          </a:p>
+          <a:p>
+            <a:r>
+              <a:rPr lang="en-US" sz="1400" b="0" i="0" dirty="0">
+                <a:effectLst/>
+                <a:latin typeface="ui-monospace"/>
+              </a:rPr>
+              <a:t>double</a:t>
+            </a:r>
+            <a:r>
+              <a:rPr lang="en-US" sz="1400" b="0" i="0" dirty="0">
+                <a:solidFill>
+                  <a:srgbClr val="C9D1D9"/>
+                </a:solidFill>
+                <a:effectLst/>
+                <a:latin typeface="ui-monospace"/>
+              </a:rPr>
+              <a:t> </a:t>
+            </a:r>
+            <a:r>
+              <a:rPr lang="en-US" sz="1400" b="0" i="0" dirty="0">
+                <a:effectLst/>
+                <a:latin typeface="ui-monospace"/>
+              </a:rPr>
+              <a:t>Weight</a:t>
+            </a:r>
+            <a:r>
+              <a:rPr lang="en-US" sz="1400" b="0" i="0" dirty="0">
+                <a:solidFill>
+                  <a:srgbClr val="C9D1D9"/>
+                </a:solidFill>
+                <a:effectLst/>
+                <a:latin typeface="ui-monospace"/>
+              </a:rPr>
+              <a:t> { </a:t>
+            </a:r>
+            <a:r>
+              <a:rPr lang="en-US" sz="1400" b="0" i="0" dirty="0">
+                <a:effectLst/>
+                <a:latin typeface="ui-monospace"/>
+              </a:rPr>
+              <a:t>get</a:t>
+            </a:r>
+            <a:r>
+              <a:rPr lang="en-US" sz="1400" b="0" i="0" dirty="0">
+                <a:solidFill>
+                  <a:srgbClr val="C9D1D9"/>
+                </a:solidFill>
+                <a:effectLst/>
+                <a:latin typeface="ui-monospace"/>
+              </a:rPr>
+              <a:t>; </a:t>
+            </a:r>
+            <a:r>
+              <a:rPr lang="en-US" sz="1400" b="0" i="0" dirty="0">
+                <a:effectLst/>
+                <a:latin typeface="ui-monospace"/>
+              </a:rPr>
+              <a:t>set</a:t>
+            </a:r>
+            <a:r>
+              <a:rPr lang="en-US" sz="1400" b="0" i="0" dirty="0">
+                <a:solidFill>
+                  <a:srgbClr val="C9D1D9"/>
+                </a:solidFill>
+                <a:effectLst/>
+                <a:latin typeface="ui-monospace"/>
+              </a:rPr>
+              <a:t>; }</a:t>
+            </a:r>
+          </a:p>
+          <a:p>
+            <a:r>
+              <a:rPr lang="en-US" sz="1400" b="0" i="0" dirty="0">
+                <a:effectLst/>
+                <a:latin typeface="ui-monospace"/>
+              </a:rPr>
+              <a:t>List</a:t>
+            </a:r>
+            <a:r>
+              <a:rPr lang="en-US" sz="1400" b="0" i="0" dirty="0">
+                <a:solidFill>
+                  <a:srgbClr val="C9D1D9"/>
+                </a:solidFill>
+                <a:effectLst/>
+                <a:latin typeface="ui-monospace"/>
+              </a:rPr>
+              <a:t>&lt;</a:t>
+            </a:r>
+            <a:r>
+              <a:rPr lang="en-US" sz="1400" b="0" i="0" dirty="0">
+                <a:effectLst/>
+                <a:latin typeface="ui-monospace"/>
+              </a:rPr>
+              <a:t>string</a:t>
+            </a:r>
+            <a:r>
+              <a:rPr lang="en-US" sz="1400" b="0" i="0" dirty="0">
+                <a:solidFill>
+                  <a:srgbClr val="C9D1D9"/>
+                </a:solidFill>
+                <a:effectLst/>
+                <a:latin typeface="ui-monospace"/>
+              </a:rPr>
+              <a:t>&gt; </a:t>
+            </a:r>
+            <a:r>
+              <a:rPr lang="en-US" sz="1400" b="0" i="0" dirty="0">
+                <a:effectLst/>
+                <a:latin typeface="ui-monospace"/>
+              </a:rPr>
+              <a:t>Goals</a:t>
+            </a:r>
+            <a:r>
+              <a:rPr lang="en-US" sz="1400" b="0" i="0" dirty="0">
+                <a:solidFill>
+                  <a:srgbClr val="C9D1D9"/>
+                </a:solidFill>
+                <a:effectLst/>
+                <a:latin typeface="ui-monospace"/>
+              </a:rPr>
+              <a:t> { </a:t>
+            </a:r>
+            <a:r>
+              <a:rPr lang="en-US" sz="1400" b="0" i="0" dirty="0">
+                <a:effectLst/>
+                <a:latin typeface="ui-monospace"/>
+              </a:rPr>
+              <a:t>get</a:t>
+            </a:r>
+            <a:r>
+              <a:rPr lang="en-US" sz="1400" b="0" i="0" dirty="0">
+                <a:solidFill>
+                  <a:srgbClr val="C9D1D9"/>
+                </a:solidFill>
+                <a:effectLst/>
+                <a:latin typeface="ui-monospace"/>
+              </a:rPr>
+              <a:t>; </a:t>
+            </a:r>
+            <a:r>
+              <a:rPr lang="en-US" sz="1400" b="0" i="0" dirty="0">
+                <a:effectLst/>
+                <a:latin typeface="ui-monospace"/>
+              </a:rPr>
+              <a:t>set</a:t>
+            </a:r>
+            <a:r>
+              <a:rPr lang="en-US" sz="1400" b="0" i="0" dirty="0">
+                <a:solidFill>
+                  <a:srgbClr val="C9D1D9"/>
+                </a:solidFill>
+                <a:effectLst/>
+                <a:latin typeface="ui-monospace"/>
+              </a:rPr>
+              <a:t>; }</a:t>
+            </a:r>
+          </a:p>
+          <a:p>
+            <a:r>
+              <a:rPr lang="en-US" sz="1400" b="0" i="0" dirty="0">
+                <a:effectLst/>
+                <a:latin typeface="ui-monospace"/>
+              </a:rPr>
+              <a:t>int</a:t>
+            </a:r>
+            <a:r>
+              <a:rPr lang="en-US" sz="1400" b="0" i="0" dirty="0">
+                <a:solidFill>
+                  <a:srgbClr val="C9D1D9"/>
+                </a:solidFill>
+                <a:effectLst/>
+                <a:latin typeface="ui-monospace"/>
+              </a:rPr>
+              <a:t> </a:t>
+            </a:r>
+            <a:r>
+              <a:rPr lang="en-US" sz="1400" b="0" i="0" dirty="0" err="1">
+                <a:effectLst/>
+                <a:latin typeface="ui-monospace"/>
+              </a:rPr>
+              <a:t>DaysToWorkOut</a:t>
+            </a:r>
+            <a:r>
+              <a:rPr lang="en-US" sz="1400" b="0" i="0" dirty="0">
+                <a:solidFill>
+                  <a:srgbClr val="C9D1D9"/>
+                </a:solidFill>
+                <a:effectLst/>
+                <a:latin typeface="ui-monospace"/>
+              </a:rPr>
+              <a:t> { </a:t>
+            </a:r>
+            <a:r>
+              <a:rPr lang="en-US" sz="1400" b="0" i="0" dirty="0">
+                <a:effectLst/>
+                <a:latin typeface="ui-monospace"/>
+              </a:rPr>
+              <a:t>get</a:t>
+            </a:r>
+            <a:r>
+              <a:rPr lang="en-US" sz="1400" b="0" i="0" dirty="0">
+                <a:solidFill>
+                  <a:srgbClr val="C9D1D9"/>
+                </a:solidFill>
+                <a:effectLst/>
+                <a:latin typeface="ui-monospace"/>
+              </a:rPr>
+              <a:t>; </a:t>
+            </a:r>
+            <a:r>
+              <a:rPr lang="en-US" sz="1400" b="0" i="0" dirty="0">
+                <a:effectLst/>
+                <a:latin typeface="ui-monospace"/>
+              </a:rPr>
+              <a:t>set</a:t>
+            </a:r>
+            <a:r>
+              <a:rPr lang="en-US" sz="1400" b="0" i="0" dirty="0">
+                <a:solidFill>
+                  <a:srgbClr val="C9D1D9"/>
+                </a:solidFill>
+                <a:effectLst/>
+                <a:latin typeface="ui-monospace"/>
+              </a:rPr>
+              <a:t>; }</a:t>
             </a:r>
             <a:endParaRPr lang="en-US" sz="1400" dirty="0"/>
           </a:p>
-          <a:p>
-            <a:r>
-              <a:rPr lang="en-US" sz="1400" dirty="0"/>
-              <a:t>Height</a:t>
-            </a:r>
-          </a:p>
-          <a:p>
-            <a:r>
-              <a:rPr lang="en-US" sz="1400" dirty="0"/>
-              <a:t>Weight</a:t>
-            </a:r>
-          </a:p>
-          <a:p>
-            <a:r>
-              <a:rPr lang="en-US" sz="1400" dirty="0"/>
-              <a:t>Goals</a:t>
-            </a:r>
-          </a:p>
-          <a:p>
+        </p:txBody>
+      </p:sp>
+      <p:sp>
+        <p:nvSpPr>
+          <p:cNvPr id="5" name="Rectangle: Rounded Corners 20">
+            <a:extLst>
+              <a:ext uri="{FF2B5EF4-FFF2-40B4-BE49-F238E27FC236}">
+                <a16:creationId xmlns:a16="http://schemas.microsoft.com/office/drawing/2014/main" id="{527FBA64-B5CA-B8E6-E0F5-2D1197AB6848}"/>
+              </a:ext>
+            </a:extLst>
+          </p:cNvPr>
+          <p:cNvSpPr/>
+          <p:nvPr/>
+        </p:nvSpPr>
+        <p:spPr>
+          <a:xfrm>
+            <a:off x="4383578" y="1990081"/>
+            <a:ext cx="3424843" cy="4409896"/>
+          </a:xfrm>
+          <a:prstGeom prst="roundRect">
+            <a:avLst/>
+          </a:prstGeom>
+          <a:solidFill>
+            <a:schemeClr val="bg1">
+              <a:lumMod val="95000"/>
+            </a:schemeClr>
+          </a:solidFill>
+          <a:ln>
+            <a:solidFill>
+              <a:schemeClr val="tx1"/>
+            </a:solidFill>
+          </a:ln>
+        </p:spPr>
+        <p:style>
+          <a:lnRef idx="2">
+            <a:schemeClr val="accent1">
+              <a:shade val="50000"/>
+            </a:schemeClr>
+          </a:lnRef>
+          <a:fillRef idx="1">
+            <a:schemeClr val="accent1"/>
+          </a:fillRef>
+          <a:effectRef idx="0">
+            <a:schemeClr val="accent1"/>
+          </a:effectRef>
+          <a:fontRef idx="minor">
+            <a:schemeClr val="lt1"/>
+          </a:fontRef>
+        </p:style>
+        <p:txBody>
+          <a:bodyPr rtlCol="0" anchor="ctr"/>
+          <a:lstStyle/>
+          <a:p>
+            <a:pPr algn="ctr"/>
+            <a:endParaRPr lang="en-US" dirty="0"/>
+          </a:p>
+        </p:txBody>
+      </p:sp>
+      <p:sp>
+        <p:nvSpPr>
+          <p:cNvPr id="6" name="TextBox 5">
+            <a:extLst>
+              <a:ext uri="{FF2B5EF4-FFF2-40B4-BE49-F238E27FC236}">
+                <a16:creationId xmlns:a16="http://schemas.microsoft.com/office/drawing/2014/main" id="{F16DCFE6-7688-B14B-058D-805AFEF8AD10}"/>
+              </a:ext>
+            </a:extLst>
+          </p:cNvPr>
+          <p:cNvSpPr txBox="1"/>
+          <p:nvPr/>
+        </p:nvSpPr>
+        <p:spPr>
+          <a:xfrm>
+            <a:off x="5765701" y="2034978"/>
+            <a:ext cx="1575201" cy="369332"/>
+          </a:xfrm>
+          <a:prstGeom prst="rect">
+            <a:avLst/>
+          </a:prstGeom>
+          <a:noFill/>
+        </p:spPr>
+        <p:txBody>
+          <a:bodyPr wrap="square" rtlCol="0">
+            <a:spAutoFit/>
+          </a:bodyPr>
+          <a:lstStyle/>
+          <a:p>
+            <a:r>
+              <a:rPr lang="en-US" b="1" dirty="0"/>
+              <a:t>Day</a:t>
+            </a:r>
+          </a:p>
+        </p:txBody>
+      </p:sp>
+      <p:sp>
+        <p:nvSpPr>
+          <p:cNvPr id="7" name="TextBox 6">
+            <a:extLst>
+              <a:ext uri="{FF2B5EF4-FFF2-40B4-BE49-F238E27FC236}">
+                <a16:creationId xmlns:a16="http://schemas.microsoft.com/office/drawing/2014/main" id="{8AEEC3D2-17A2-554C-3C86-3EEF5A6BFD9B}"/>
+              </a:ext>
+            </a:extLst>
+          </p:cNvPr>
+          <p:cNvSpPr txBox="1"/>
+          <p:nvPr/>
+        </p:nvSpPr>
+        <p:spPr>
+          <a:xfrm>
+            <a:off x="4383579" y="2754007"/>
+            <a:ext cx="3259846" cy="523220"/>
+          </a:xfrm>
+          <a:prstGeom prst="rect">
+            <a:avLst/>
+          </a:prstGeom>
+          <a:noFill/>
+        </p:spPr>
+        <p:txBody>
+          <a:bodyPr wrap="square" rtlCol="0">
+            <a:spAutoFit/>
+          </a:bodyPr>
+          <a:lstStyle/>
+          <a:p>
+            <a:r>
+              <a:rPr lang="en-US" sz="1400" b="0" i="0" dirty="0">
+                <a:effectLst/>
+                <a:latin typeface="ui-monospace"/>
+              </a:rPr>
+              <a:t>string</a:t>
+            </a:r>
+            <a:r>
+              <a:rPr lang="en-US" sz="1400" b="0" i="0" dirty="0">
+                <a:solidFill>
+                  <a:srgbClr val="C9D1D9"/>
+                </a:solidFill>
+                <a:effectLst/>
+                <a:latin typeface="ui-monospace"/>
+              </a:rPr>
+              <a:t> </a:t>
+            </a:r>
+            <a:r>
+              <a:rPr lang="en-US" sz="1400" b="0" i="0" dirty="0">
+                <a:effectLst/>
+                <a:latin typeface="ui-monospace"/>
+              </a:rPr>
+              <a:t>Id</a:t>
+            </a:r>
+            <a:r>
+              <a:rPr lang="en-US" sz="1400" b="0" i="0" dirty="0">
+                <a:solidFill>
+                  <a:srgbClr val="C9D1D9"/>
+                </a:solidFill>
+                <a:effectLst/>
+                <a:latin typeface="ui-monospace"/>
+              </a:rPr>
+              <a:t> { </a:t>
+            </a:r>
+            <a:r>
+              <a:rPr lang="en-US" sz="1400" b="0" i="0" dirty="0">
+                <a:effectLst/>
+                <a:latin typeface="ui-monospace"/>
+              </a:rPr>
+              <a:t>get</a:t>
+            </a:r>
+            <a:r>
+              <a:rPr lang="en-US" sz="1400" b="0" i="0" dirty="0">
+                <a:solidFill>
+                  <a:srgbClr val="C9D1D9"/>
+                </a:solidFill>
+                <a:effectLst/>
+                <a:latin typeface="ui-monospace"/>
+              </a:rPr>
+              <a:t>; </a:t>
+            </a:r>
+            <a:r>
+              <a:rPr lang="en-US" sz="1400" b="0" i="0" dirty="0">
+                <a:effectLst/>
+                <a:latin typeface="ui-monospace"/>
+              </a:rPr>
+              <a:t>set</a:t>
+            </a:r>
+            <a:r>
+              <a:rPr lang="en-US" sz="1400" b="0" i="0" dirty="0">
+                <a:solidFill>
+                  <a:srgbClr val="C9D1D9"/>
+                </a:solidFill>
+                <a:effectLst/>
+                <a:latin typeface="ui-monospace"/>
+              </a:rPr>
+              <a:t>; }</a:t>
+            </a:r>
+          </a:p>
+          <a:p>
+            <a:r>
+              <a:rPr lang="en-US" sz="1400" b="0" i="0" dirty="0">
+                <a:effectLst/>
+                <a:latin typeface="ui-monospace"/>
+              </a:rPr>
+              <a:t>string</a:t>
+            </a:r>
+            <a:r>
+              <a:rPr lang="en-US" sz="1400" b="0" i="0" dirty="0">
+                <a:solidFill>
+                  <a:srgbClr val="C9D1D9"/>
+                </a:solidFill>
+                <a:effectLst/>
+                <a:latin typeface="ui-monospace"/>
+              </a:rPr>
+              <a:t> </a:t>
+            </a:r>
+            <a:r>
+              <a:rPr lang="en-US" sz="1400" b="0" i="0" dirty="0">
+                <a:effectLst/>
+                <a:latin typeface="ui-monospace"/>
+              </a:rPr>
+              <a:t>days</a:t>
+            </a:r>
+            <a:r>
+              <a:rPr lang="en-US" sz="1400" b="0" i="0" dirty="0">
+                <a:solidFill>
+                  <a:srgbClr val="C9D1D9"/>
+                </a:solidFill>
+                <a:effectLst/>
+                <a:latin typeface="ui-monospace"/>
+              </a:rPr>
+              <a:t> { </a:t>
+            </a:r>
+            <a:r>
+              <a:rPr lang="en-US" sz="1400" b="0" i="0" dirty="0">
+                <a:effectLst/>
+                <a:latin typeface="ui-monospace"/>
+              </a:rPr>
+              <a:t>get</a:t>
+            </a:r>
+            <a:r>
+              <a:rPr lang="en-US" sz="1400" b="0" i="0" dirty="0">
+                <a:solidFill>
+                  <a:srgbClr val="C9D1D9"/>
+                </a:solidFill>
+                <a:effectLst/>
+                <a:latin typeface="ui-monospace"/>
+              </a:rPr>
+              <a:t>; </a:t>
+            </a:r>
+            <a:r>
+              <a:rPr lang="en-US" sz="1400" b="0" i="0" dirty="0">
+                <a:effectLst/>
+                <a:latin typeface="ui-monospace"/>
+              </a:rPr>
+              <a:t>set</a:t>
+            </a:r>
+            <a:r>
+              <a:rPr lang="en-US" sz="1400" b="0" i="0" dirty="0">
+                <a:solidFill>
+                  <a:srgbClr val="C9D1D9"/>
+                </a:solidFill>
+                <a:effectLst/>
+                <a:latin typeface="ui-monospace"/>
+              </a:rPr>
+              <a:t>; }</a:t>
+            </a:r>
+            <a:endParaRPr lang="en-US" sz="1400" dirty="0"/>
+          </a:p>
+        </p:txBody>
+      </p:sp>
+      <p:sp>
+        <p:nvSpPr>
+          <p:cNvPr id="8" name="Rectangle: Rounded Corners 20">
+            <a:extLst>
+              <a:ext uri="{FF2B5EF4-FFF2-40B4-BE49-F238E27FC236}">
+                <a16:creationId xmlns:a16="http://schemas.microsoft.com/office/drawing/2014/main" id="{130B1517-BC75-C67C-001A-EE20CBC6E4FE}"/>
+              </a:ext>
+            </a:extLst>
+          </p:cNvPr>
+          <p:cNvSpPr/>
+          <p:nvPr/>
+        </p:nvSpPr>
+        <p:spPr>
+          <a:xfrm>
+            <a:off x="8242346" y="2034978"/>
+            <a:ext cx="3424843" cy="4409896"/>
+          </a:xfrm>
+          <a:prstGeom prst="roundRect">
+            <a:avLst/>
+          </a:prstGeom>
+          <a:solidFill>
+            <a:schemeClr val="bg1">
+              <a:lumMod val="95000"/>
+            </a:schemeClr>
+          </a:solidFill>
+          <a:ln>
+            <a:solidFill>
+              <a:schemeClr val="tx1"/>
+            </a:solidFill>
+          </a:ln>
+        </p:spPr>
+        <p:style>
+          <a:lnRef idx="2">
+            <a:schemeClr val="accent1">
+              <a:shade val="50000"/>
+            </a:schemeClr>
+          </a:lnRef>
+          <a:fillRef idx="1">
+            <a:schemeClr val="accent1"/>
+          </a:fillRef>
+          <a:effectRef idx="0">
+            <a:schemeClr val="accent1"/>
+          </a:effectRef>
+          <a:fontRef idx="minor">
+            <a:schemeClr val="lt1"/>
+          </a:fontRef>
+        </p:style>
+        <p:txBody>
+          <a:bodyPr rtlCol="0" anchor="ctr"/>
+          <a:lstStyle/>
+          <a:p>
+            <a:pPr algn="ctr"/>
+            <a:endParaRPr lang="en-US" dirty="0"/>
+          </a:p>
+        </p:txBody>
+      </p:sp>
+      <p:sp>
+        <p:nvSpPr>
+          <p:cNvPr id="9" name="TextBox 8">
+            <a:extLst>
+              <a:ext uri="{FF2B5EF4-FFF2-40B4-BE49-F238E27FC236}">
+                <a16:creationId xmlns:a16="http://schemas.microsoft.com/office/drawing/2014/main" id="{337CDD94-F01C-8BE0-68A0-7F9F9418DE89}"/>
+              </a:ext>
+            </a:extLst>
+          </p:cNvPr>
+          <p:cNvSpPr txBox="1"/>
+          <p:nvPr/>
+        </p:nvSpPr>
+        <p:spPr>
+          <a:xfrm>
+            <a:off x="9624469" y="2079875"/>
+            <a:ext cx="1575201" cy="369332"/>
+          </a:xfrm>
+          <a:prstGeom prst="rect">
+            <a:avLst/>
+          </a:prstGeom>
+          <a:noFill/>
+        </p:spPr>
+        <p:txBody>
+          <a:bodyPr wrap="square" rtlCol="0">
+            <a:spAutoFit/>
+          </a:bodyPr>
+          <a:lstStyle/>
+          <a:p>
+            <a:r>
+              <a:rPr lang="en-US" b="1" dirty="0"/>
+              <a:t>Workout</a:t>
+            </a:r>
+          </a:p>
+        </p:txBody>
+      </p:sp>
+      <p:sp>
+        <p:nvSpPr>
+          <p:cNvPr id="10" name="TextBox 9">
+            <a:extLst>
+              <a:ext uri="{FF2B5EF4-FFF2-40B4-BE49-F238E27FC236}">
+                <a16:creationId xmlns:a16="http://schemas.microsoft.com/office/drawing/2014/main" id="{65086C27-2626-E81A-462D-970F51FC2348}"/>
+              </a:ext>
+            </a:extLst>
+          </p:cNvPr>
+          <p:cNvSpPr txBox="1"/>
+          <p:nvPr/>
+        </p:nvSpPr>
+        <p:spPr>
+          <a:xfrm>
+            <a:off x="8242347" y="2798904"/>
+            <a:ext cx="3259846" cy="1169551"/>
+          </a:xfrm>
+          <a:prstGeom prst="rect">
+            <a:avLst/>
+          </a:prstGeom>
+          <a:noFill/>
+        </p:spPr>
+        <p:txBody>
+          <a:bodyPr wrap="square" rtlCol="0">
+            <a:spAutoFit/>
+          </a:bodyPr>
+          <a:lstStyle/>
+          <a:p>
+            <a:r>
+              <a:rPr lang="en-US" sz="1400" b="0" i="0" dirty="0">
+                <a:effectLst/>
+                <a:latin typeface="ui-monospace"/>
+              </a:rPr>
+              <a:t>string</a:t>
+            </a:r>
+            <a:r>
+              <a:rPr lang="en-US" sz="1400" b="0" i="0" dirty="0">
+                <a:solidFill>
+                  <a:srgbClr val="C9D1D9"/>
+                </a:solidFill>
+                <a:effectLst/>
+                <a:latin typeface="ui-monospace"/>
+              </a:rPr>
+              <a:t> </a:t>
+            </a:r>
+            <a:r>
+              <a:rPr lang="en-US" sz="1400" b="0" i="0" dirty="0">
+                <a:effectLst/>
+                <a:latin typeface="ui-monospace"/>
+              </a:rPr>
+              <a:t>Id</a:t>
+            </a:r>
+            <a:r>
+              <a:rPr lang="en-US" sz="1400" b="0" i="0" dirty="0">
+                <a:solidFill>
+                  <a:srgbClr val="C9D1D9"/>
+                </a:solidFill>
+                <a:effectLst/>
+                <a:latin typeface="ui-monospace"/>
+              </a:rPr>
+              <a:t> { </a:t>
+            </a:r>
+            <a:r>
+              <a:rPr lang="en-US" sz="1400" b="0" i="0" dirty="0">
+                <a:effectLst/>
+                <a:latin typeface="ui-monospace"/>
+              </a:rPr>
+              <a:t>get</a:t>
+            </a:r>
+            <a:r>
+              <a:rPr lang="en-US" sz="1400" b="0" i="0" dirty="0">
+                <a:solidFill>
+                  <a:srgbClr val="C9D1D9"/>
+                </a:solidFill>
+                <a:effectLst/>
+                <a:latin typeface="ui-monospace"/>
+              </a:rPr>
+              <a:t>; </a:t>
+            </a:r>
+            <a:r>
+              <a:rPr lang="en-US" sz="1400" b="0" i="0" dirty="0">
+                <a:effectLst/>
+                <a:latin typeface="ui-monospace"/>
+              </a:rPr>
+              <a:t>set</a:t>
+            </a:r>
+            <a:r>
+              <a:rPr lang="en-US" sz="1400" b="0" i="0" dirty="0">
+                <a:solidFill>
+                  <a:srgbClr val="C9D1D9"/>
+                </a:solidFill>
+                <a:effectLst/>
+                <a:latin typeface="ui-monospace"/>
+              </a:rPr>
+              <a:t>; }</a:t>
+            </a:r>
+          </a:p>
+          <a:p>
+            <a:r>
+              <a:rPr lang="en-US" sz="1400" b="0" i="0" dirty="0">
+                <a:effectLst/>
+                <a:latin typeface="ui-monospace"/>
+              </a:rPr>
+              <a:t>string</a:t>
+            </a:r>
+            <a:r>
+              <a:rPr lang="en-US" sz="1400" b="0" i="0" dirty="0">
+                <a:solidFill>
+                  <a:srgbClr val="C9D1D9"/>
+                </a:solidFill>
+                <a:effectLst/>
+                <a:latin typeface="ui-monospace"/>
+              </a:rPr>
+              <a:t> </a:t>
+            </a:r>
+            <a:r>
+              <a:rPr lang="en-US" sz="1400" b="0" i="0" dirty="0">
+                <a:effectLst/>
+                <a:latin typeface="ui-monospace"/>
+              </a:rPr>
+              <a:t>sets</a:t>
+            </a:r>
+            <a:r>
+              <a:rPr lang="en-US" sz="1400" b="0" i="0" dirty="0">
+                <a:solidFill>
+                  <a:srgbClr val="C9D1D9"/>
+                </a:solidFill>
+                <a:effectLst/>
+                <a:latin typeface="ui-monospace"/>
+              </a:rPr>
+              <a:t> { </a:t>
+            </a:r>
+            <a:r>
+              <a:rPr lang="en-US" sz="1400" b="0" i="0" dirty="0">
+                <a:effectLst/>
+                <a:latin typeface="ui-monospace"/>
+              </a:rPr>
+              <a:t>get</a:t>
+            </a:r>
+            <a:r>
+              <a:rPr lang="en-US" sz="1400" b="0" i="0" dirty="0">
+                <a:solidFill>
+                  <a:srgbClr val="C9D1D9"/>
+                </a:solidFill>
+                <a:effectLst/>
+                <a:latin typeface="ui-monospace"/>
+              </a:rPr>
+              <a:t>; </a:t>
+            </a:r>
+            <a:r>
+              <a:rPr lang="en-US" sz="1400" b="0" i="0" dirty="0">
+                <a:effectLst/>
+                <a:latin typeface="ui-monospace"/>
+              </a:rPr>
+              <a:t>set</a:t>
+            </a:r>
+            <a:r>
+              <a:rPr lang="en-US" sz="1400" b="0" i="0" dirty="0">
+                <a:solidFill>
+                  <a:srgbClr val="C9D1D9"/>
+                </a:solidFill>
+                <a:effectLst/>
+                <a:latin typeface="ui-monospace"/>
+              </a:rPr>
+              <a:t>; }</a:t>
+            </a:r>
+            <a:endParaRPr lang="en-US" sz="1400" dirty="0">
+              <a:solidFill>
+                <a:srgbClr val="C9D1D9"/>
+              </a:solidFill>
+              <a:latin typeface="ui-monospace"/>
+            </a:endParaRPr>
+          </a:p>
+          <a:p>
+            <a:r>
+              <a:rPr lang="en-US" sz="1400" b="0" i="0" dirty="0">
+                <a:effectLst/>
+                <a:latin typeface="ui-monospace"/>
+              </a:rPr>
+              <a:t>string</a:t>
+            </a:r>
+            <a:r>
+              <a:rPr lang="en-US" sz="1400" b="0" i="0" dirty="0">
+                <a:solidFill>
+                  <a:srgbClr val="C9D1D9"/>
+                </a:solidFill>
+                <a:effectLst/>
+                <a:latin typeface="ui-monospace"/>
+              </a:rPr>
+              <a:t> </a:t>
+            </a:r>
+            <a:r>
+              <a:rPr lang="en-US" sz="1400" b="0" i="0" dirty="0">
+                <a:effectLst/>
+                <a:latin typeface="ui-monospace"/>
+              </a:rPr>
+              <a:t>reps</a:t>
+            </a:r>
+            <a:r>
+              <a:rPr lang="en-US" sz="1400" b="0" i="0" dirty="0">
+                <a:solidFill>
+                  <a:srgbClr val="C9D1D9"/>
+                </a:solidFill>
+                <a:effectLst/>
+                <a:latin typeface="ui-monospace"/>
+              </a:rPr>
+              <a:t> { </a:t>
+            </a:r>
+            <a:r>
+              <a:rPr lang="en-US" sz="1400" b="0" i="0" dirty="0">
+                <a:effectLst/>
+                <a:latin typeface="ui-monospace"/>
+              </a:rPr>
+              <a:t>get</a:t>
+            </a:r>
+            <a:r>
+              <a:rPr lang="en-US" sz="1400" b="0" i="0" dirty="0">
+                <a:solidFill>
+                  <a:srgbClr val="C9D1D9"/>
+                </a:solidFill>
+                <a:effectLst/>
+                <a:latin typeface="ui-monospace"/>
+              </a:rPr>
+              <a:t>; </a:t>
+            </a:r>
+            <a:r>
+              <a:rPr lang="en-US" sz="1400" b="0" i="0" dirty="0">
+                <a:effectLst/>
+                <a:latin typeface="ui-monospace"/>
+              </a:rPr>
+              <a:t>set</a:t>
+            </a:r>
+            <a:r>
+              <a:rPr lang="en-US" sz="1400" b="0" i="0" dirty="0">
+                <a:solidFill>
+                  <a:srgbClr val="C9D1D9"/>
+                </a:solidFill>
+                <a:effectLst/>
+                <a:latin typeface="ui-monospace"/>
+              </a:rPr>
+              <a:t>; }</a:t>
+            </a:r>
+          </a:p>
+          <a:p>
+            <a:r>
+              <a:rPr lang="en-US" sz="1400" b="0" i="0" dirty="0">
+                <a:effectLst/>
+                <a:latin typeface="ui-monospace"/>
+              </a:rPr>
+              <a:t>string</a:t>
+            </a:r>
+            <a:r>
+              <a:rPr lang="en-US" sz="1400" b="0" i="0" dirty="0">
+                <a:solidFill>
+                  <a:srgbClr val="C9D1D9"/>
+                </a:solidFill>
+                <a:effectLst/>
+                <a:latin typeface="ui-monospace"/>
+              </a:rPr>
+              <a:t> </a:t>
+            </a:r>
+            <a:r>
+              <a:rPr lang="en-US" sz="1400" b="0" i="0" dirty="0">
+                <a:effectLst/>
+                <a:latin typeface="ui-monospace"/>
+              </a:rPr>
+              <a:t>name</a:t>
+            </a:r>
+            <a:r>
+              <a:rPr lang="en-US" sz="1400" b="0" i="0" dirty="0">
+                <a:solidFill>
+                  <a:srgbClr val="C9D1D9"/>
+                </a:solidFill>
+                <a:effectLst/>
+                <a:latin typeface="ui-monospace"/>
+              </a:rPr>
+              <a:t> { </a:t>
+            </a:r>
+            <a:r>
+              <a:rPr lang="en-US" sz="1400" b="0" i="0" dirty="0">
+                <a:effectLst/>
+                <a:latin typeface="ui-monospace"/>
+              </a:rPr>
+              <a:t>get</a:t>
+            </a:r>
+            <a:r>
+              <a:rPr lang="en-US" sz="1400" b="0" i="0" dirty="0">
+                <a:solidFill>
+                  <a:srgbClr val="C9D1D9"/>
+                </a:solidFill>
+                <a:effectLst/>
+                <a:latin typeface="ui-monospace"/>
+              </a:rPr>
+              <a:t>; </a:t>
+            </a:r>
+            <a:r>
+              <a:rPr lang="en-US" sz="1400" b="0" i="0" dirty="0">
+                <a:effectLst/>
+                <a:latin typeface="ui-monospace"/>
+              </a:rPr>
+              <a:t>set</a:t>
+            </a:r>
+            <a:r>
+              <a:rPr lang="en-US" sz="1400" b="0" i="0" dirty="0">
+                <a:solidFill>
+                  <a:srgbClr val="C9D1D9"/>
+                </a:solidFill>
+                <a:effectLst/>
+                <a:latin typeface="ui-monospace"/>
+              </a:rPr>
+              <a:t>; }</a:t>
+            </a:r>
+            <a:endParaRPr lang="en-US" sz="1400" dirty="0">
+              <a:solidFill>
+                <a:srgbClr val="C9D1D9"/>
+              </a:solidFill>
+              <a:latin typeface="ui-monospace"/>
+            </a:endParaRPr>
+          </a:p>
+          <a:p>
+            <a:r>
+              <a:rPr lang="en-US" sz="1400" b="0" i="0" dirty="0">
+                <a:effectLst/>
+                <a:latin typeface="ui-monospace"/>
+              </a:rPr>
+              <a:t>string</a:t>
+            </a:r>
+            <a:r>
+              <a:rPr lang="en-US" sz="1400" b="0" i="0" dirty="0">
+                <a:solidFill>
+                  <a:srgbClr val="C9D1D9"/>
+                </a:solidFill>
+                <a:effectLst/>
+                <a:latin typeface="ui-monospace"/>
+              </a:rPr>
+              <a:t> </a:t>
+            </a:r>
+            <a:r>
+              <a:rPr lang="en-US" sz="1400" b="0" i="0" dirty="0">
+                <a:effectLst/>
+                <a:latin typeface="ui-monospace"/>
+              </a:rPr>
+              <a:t>type</a:t>
+            </a:r>
+            <a:r>
+              <a:rPr lang="en-US" sz="1400" b="0" i="0" dirty="0">
+                <a:solidFill>
+                  <a:srgbClr val="C9D1D9"/>
+                </a:solidFill>
+                <a:effectLst/>
+                <a:latin typeface="ui-monospace"/>
+              </a:rPr>
+              <a:t> { </a:t>
+            </a:r>
+            <a:r>
+              <a:rPr lang="en-US" sz="1400" b="0" i="0" dirty="0">
+                <a:effectLst/>
+                <a:latin typeface="ui-monospace"/>
+              </a:rPr>
+              <a:t>get</a:t>
+            </a:r>
+            <a:r>
+              <a:rPr lang="en-US" sz="1400" b="0" i="0" dirty="0">
+                <a:solidFill>
+                  <a:srgbClr val="C9D1D9"/>
+                </a:solidFill>
+                <a:effectLst/>
+                <a:latin typeface="ui-monospace"/>
+              </a:rPr>
+              <a:t>; </a:t>
+            </a:r>
+            <a:r>
+              <a:rPr lang="en-US" sz="1400" b="0" i="0" dirty="0">
+                <a:effectLst/>
+                <a:latin typeface="ui-monospace"/>
+              </a:rPr>
+              <a:t>set</a:t>
+            </a:r>
+            <a:r>
+              <a:rPr lang="en-US" sz="1400" b="0" i="0" dirty="0">
+                <a:solidFill>
+                  <a:srgbClr val="C9D1D9"/>
+                </a:solidFill>
+                <a:effectLst/>
+                <a:latin typeface="ui-monospace"/>
+              </a:rPr>
+              <a:t>; }</a:t>
+            </a:r>
             <a:endParaRPr lang="en-US" sz="1400" dirty="0"/>
           </a:p>
         </p:txBody>
@@ -5017,7 +6535,7 @@
 </p:sld>
 </file>
 
-<file path=ppt/slides/slide3.xml><?xml version="1.0" encoding="utf-8"?>
+<file path=ppt/slides/slide4.xml><?xml version="1.0" encoding="utf-8"?>
 <p:sld xmlns:a="http://schemas.openxmlformats.org/drawingml/2006/main" xmlns:r="http://schemas.openxmlformats.org/officeDocument/2006/relationships" xmlns:p="http://schemas.openxmlformats.org/presentationml/2006/main">
   <p:cSld>
     <p:spTree>
@@ -5064,7 +6582,7 @@
           <a:p>
             <a:r>
               <a:rPr lang="en-US" sz="3600" u="sng" dirty="0"/>
-              <a:t>Webpages</a:t>
+              <a:t>Features</a:t>
             </a:r>
           </a:p>
         </p:txBody>
@@ -5075,6 +6593,368 @@
             <a:extLst>
               <a:ext uri="{FF2B5EF4-FFF2-40B4-BE49-F238E27FC236}">
                 <a16:creationId xmlns:a16="http://schemas.microsoft.com/office/drawing/2014/main" id="{2AB7C2FA-D427-AF34-6830-6BD90B3EBB3A}"/>
+              </a:ext>
+            </a:extLst>
+          </p:cNvPr>
+          <p:cNvSpPr/>
+          <p:nvPr/>
+        </p:nvSpPr>
+        <p:spPr>
+          <a:xfrm>
+            <a:off x="275834" y="1957376"/>
+            <a:ext cx="3424843" cy="4409896"/>
+          </a:xfrm>
+          <a:prstGeom prst="roundRect">
+            <a:avLst/>
+          </a:prstGeom>
+          <a:solidFill>
+            <a:schemeClr val="bg1">
+              <a:lumMod val="95000"/>
+            </a:schemeClr>
+          </a:solidFill>
+          <a:ln>
+            <a:solidFill>
+              <a:schemeClr val="tx1"/>
+            </a:solidFill>
+          </a:ln>
+        </p:spPr>
+        <p:style>
+          <a:lnRef idx="2">
+            <a:schemeClr val="accent1">
+              <a:shade val="50000"/>
+            </a:schemeClr>
+          </a:lnRef>
+          <a:fillRef idx="1">
+            <a:schemeClr val="accent1"/>
+          </a:fillRef>
+          <a:effectRef idx="0">
+            <a:schemeClr val="accent1"/>
+          </a:effectRef>
+          <a:fontRef idx="minor">
+            <a:schemeClr val="lt1"/>
+          </a:fontRef>
+        </p:style>
+        <p:txBody>
+          <a:bodyPr rtlCol="0" anchor="ctr"/>
+          <a:lstStyle/>
+          <a:p>
+            <a:pPr algn="ctr"/>
+            <a:r>
+              <a:rPr lang="en-US" dirty="0">
+                <a:solidFill>
+                  <a:schemeClr val="tx1">
+                    <a:lumMod val="95000"/>
+                    <a:lumOff val="5000"/>
+                  </a:schemeClr>
+                </a:solidFill>
+              </a:rPr>
+              <a:t>Displays user information with options to edit the information</a:t>
+            </a:r>
+          </a:p>
+        </p:txBody>
+      </p:sp>
+      <p:sp>
+        <p:nvSpPr>
+          <p:cNvPr id="3" name="TextBox 2">
+            <a:extLst>
+              <a:ext uri="{FF2B5EF4-FFF2-40B4-BE49-F238E27FC236}">
+                <a16:creationId xmlns:a16="http://schemas.microsoft.com/office/drawing/2014/main" id="{E7EA993B-9DBB-8F39-EC8A-FAE2C4941C5B}"/>
+              </a:ext>
+            </a:extLst>
+          </p:cNvPr>
+          <p:cNvSpPr txBox="1"/>
+          <p:nvPr/>
+        </p:nvSpPr>
+        <p:spPr>
+          <a:xfrm>
+            <a:off x="1616397" y="2002273"/>
+            <a:ext cx="1575201" cy="369332"/>
+          </a:xfrm>
+          <a:prstGeom prst="rect">
+            <a:avLst/>
+          </a:prstGeom>
+          <a:noFill/>
+        </p:spPr>
+        <p:txBody>
+          <a:bodyPr wrap="square" rtlCol="0">
+            <a:spAutoFit/>
+          </a:bodyPr>
+          <a:lstStyle/>
+          <a:p>
+            <a:r>
+              <a:rPr lang="en-US" b="1" dirty="0"/>
+              <a:t>Profile</a:t>
+            </a:r>
+          </a:p>
+        </p:txBody>
+      </p:sp>
+      <p:sp>
+        <p:nvSpPr>
+          <p:cNvPr id="4" name="Rectangle: Rounded Corners 1">
+            <a:extLst>
+              <a:ext uri="{FF2B5EF4-FFF2-40B4-BE49-F238E27FC236}">
+                <a16:creationId xmlns:a16="http://schemas.microsoft.com/office/drawing/2014/main" id="{EDED3409-DE49-3997-BA8D-2671E17ADC73}"/>
+              </a:ext>
+            </a:extLst>
+          </p:cNvPr>
+          <p:cNvSpPr/>
+          <p:nvPr/>
+        </p:nvSpPr>
+        <p:spPr>
+          <a:xfrm>
+            <a:off x="3961998" y="2002273"/>
+            <a:ext cx="3424843" cy="4409896"/>
+          </a:xfrm>
+          <a:prstGeom prst="roundRect">
+            <a:avLst/>
+          </a:prstGeom>
+          <a:solidFill>
+            <a:schemeClr val="bg1">
+              <a:lumMod val="95000"/>
+            </a:schemeClr>
+          </a:solidFill>
+          <a:ln>
+            <a:solidFill>
+              <a:schemeClr val="tx1"/>
+            </a:solidFill>
+          </a:ln>
+        </p:spPr>
+        <p:style>
+          <a:lnRef idx="2">
+            <a:schemeClr val="accent1">
+              <a:shade val="50000"/>
+            </a:schemeClr>
+          </a:lnRef>
+          <a:fillRef idx="1">
+            <a:schemeClr val="accent1"/>
+          </a:fillRef>
+          <a:effectRef idx="0">
+            <a:schemeClr val="accent1"/>
+          </a:effectRef>
+          <a:fontRef idx="minor">
+            <a:schemeClr val="lt1"/>
+          </a:fontRef>
+        </p:style>
+        <p:txBody>
+          <a:bodyPr rtlCol="0" anchor="ctr"/>
+          <a:lstStyle/>
+          <a:p>
+            <a:pPr algn="ctr"/>
+            <a:r>
+              <a:rPr lang="en-US" dirty="0">
+                <a:solidFill>
+                  <a:schemeClr val="tx1"/>
+                </a:solidFill>
+              </a:rPr>
+              <a:t>This is where the user add custom workout goals</a:t>
+            </a:r>
+          </a:p>
+        </p:txBody>
+      </p:sp>
+      <p:sp>
+        <p:nvSpPr>
+          <p:cNvPr id="5" name="TextBox 4">
+            <a:extLst>
+              <a:ext uri="{FF2B5EF4-FFF2-40B4-BE49-F238E27FC236}">
+                <a16:creationId xmlns:a16="http://schemas.microsoft.com/office/drawing/2014/main" id="{38F32565-56C4-A2A8-123C-70C7523E61E6}"/>
+              </a:ext>
+            </a:extLst>
+          </p:cNvPr>
+          <p:cNvSpPr txBox="1"/>
+          <p:nvPr/>
+        </p:nvSpPr>
+        <p:spPr>
+          <a:xfrm>
+            <a:off x="5257973" y="2047170"/>
+            <a:ext cx="1575201" cy="369332"/>
+          </a:xfrm>
+          <a:prstGeom prst="rect">
+            <a:avLst/>
+          </a:prstGeom>
+          <a:noFill/>
+        </p:spPr>
+        <p:txBody>
+          <a:bodyPr wrap="square" rtlCol="0">
+            <a:spAutoFit/>
+          </a:bodyPr>
+          <a:lstStyle/>
+          <a:p>
+            <a:r>
+              <a:rPr lang="en-US" b="1" dirty="0"/>
+              <a:t>Goals</a:t>
+            </a:r>
+          </a:p>
+        </p:txBody>
+      </p:sp>
+      <p:sp>
+        <p:nvSpPr>
+          <p:cNvPr id="6" name="Rectangle: Rounded Corners 1">
+            <a:extLst>
+              <a:ext uri="{FF2B5EF4-FFF2-40B4-BE49-F238E27FC236}">
+                <a16:creationId xmlns:a16="http://schemas.microsoft.com/office/drawing/2014/main" id="{42500EFA-9776-A81D-0A13-A5E643D6A16A}"/>
+              </a:ext>
+            </a:extLst>
+          </p:cNvPr>
+          <p:cNvSpPr/>
+          <p:nvPr/>
+        </p:nvSpPr>
+        <p:spPr>
+          <a:xfrm>
+            <a:off x="7895834" y="1957376"/>
+            <a:ext cx="3424843" cy="4409896"/>
+          </a:xfrm>
+          <a:prstGeom prst="roundRect">
+            <a:avLst/>
+          </a:prstGeom>
+          <a:solidFill>
+            <a:schemeClr val="bg1">
+              <a:lumMod val="95000"/>
+            </a:schemeClr>
+          </a:solidFill>
+          <a:ln>
+            <a:solidFill>
+              <a:schemeClr val="tx1"/>
+            </a:solidFill>
+          </a:ln>
+        </p:spPr>
+        <p:style>
+          <a:lnRef idx="2">
+            <a:schemeClr val="accent1">
+              <a:shade val="50000"/>
+            </a:schemeClr>
+          </a:lnRef>
+          <a:fillRef idx="1">
+            <a:schemeClr val="accent1"/>
+          </a:fillRef>
+          <a:effectRef idx="0">
+            <a:schemeClr val="accent1"/>
+          </a:effectRef>
+          <a:fontRef idx="minor">
+            <a:schemeClr val="lt1"/>
+          </a:fontRef>
+        </p:style>
+        <p:txBody>
+          <a:bodyPr rtlCol="0" anchor="ctr"/>
+          <a:lstStyle/>
+          <a:p>
+            <a:pPr algn="ctr"/>
+            <a:r>
+              <a:rPr lang="en-US" dirty="0">
+                <a:solidFill>
+                  <a:schemeClr val="tx1"/>
+                </a:solidFill>
+              </a:rPr>
+              <a:t>This is where the user will log their workout progress they have done</a:t>
+            </a:r>
+          </a:p>
+        </p:txBody>
+      </p:sp>
+      <p:sp>
+        <p:nvSpPr>
+          <p:cNvPr id="7" name="TextBox 6">
+            <a:extLst>
+              <a:ext uri="{FF2B5EF4-FFF2-40B4-BE49-F238E27FC236}">
+                <a16:creationId xmlns:a16="http://schemas.microsoft.com/office/drawing/2014/main" id="{92CE50D4-DAEB-195E-3458-64489435FC91}"/>
+              </a:ext>
+            </a:extLst>
+          </p:cNvPr>
+          <p:cNvSpPr txBox="1"/>
+          <p:nvPr/>
+        </p:nvSpPr>
+        <p:spPr>
+          <a:xfrm>
+            <a:off x="9138861" y="2047170"/>
+            <a:ext cx="1575201" cy="369332"/>
+          </a:xfrm>
+          <a:prstGeom prst="rect">
+            <a:avLst/>
+          </a:prstGeom>
+          <a:noFill/>
+        </p:spPr>
+        <p:txBody>
+          <a:bodyPr wrap="square" rtlCol="0">
+            <a:spAutoFit/>
+          </a:bodyPr>
+          <a:lstStyle/>
+          <a:p>
+            <a:r>
+              <a:rPr lang="en-US" b="1" dirty="0"/>
+              <a:t>Logbook</a:t>
+            </a:r>
+          </a:p>
+        </p:txBody>
+      </p:sp>
+    </p:spTree>
+    <p:extLst>
+      <p:ext uri="{BB962C8B-B14F-4D97-AF65-F5344CB8AC3E}">
+        <p14:creationId xmlns:p14="http://schemas.microsoft.com/office/powerpoint/2010/main" val="671967356"/>
+      </p:ext>
+    </p:extLst>
+  </p:cSld>
+  <p:clrMapOvr>
+    <a:masterClrMapping/>
+  </p:clrMapOvr>
+</p:sld>
+</file>
+
+<file path=ppt/slides/slide5.xml><?xml version="1.0" encoding="utf-8"?>
+<p:sld xmlns:a="http://schemas.openxmlformats.org/drawingml/2006/main" xmlns:r="http://schemas.openxmlformats.org/officeDocument/2006/relationships" xmlns:p="http://schemas.openxmlformats.org/presentationml/2006/main">
+  <p:cSld>
+    <p:spTree>
+      <p:nvGrpSpPr>
+        <p:cNvPr id="1" name=""/>
+        <p:cNvGrpSpPr/>
+        <p:nvPr/>
+      </p:nvGrpSpPr>
+      <p:grpSpPr>
+        <a:xfrm>
+          <a:off x="0" y="0"/>
+          <a:ext cx="0" cy="0"/>
+          <a:chOff x="0" y="0"/>
+          <a:chExt cx="0" cy="0"/>
+        </a:xfrm>
+      </p:grpSpPr>
+      <p:sp>
+        <p:nvSpPr>
+          <p:cNvPr id="15" name="TextBox 14">
+            <a:extLst>
+              <a:ext uri="{FF2B5EF4-FFF2-40B4-BE49-F238E27FC236}">
+                <a16:creationId xmlns:a16="http://schemas.microsoft.com/office/drawing/2014/main" id="{74CA0BBF-FFD8-D158-A8A4-832CC1BF02A7}"/>
+              </a:ext>
+            </a:extLst>
+          </p:cNvPr>
+          <p:cNvSpPr txBox="1"/>
+          <p:nvPr/>
+        </p:nvSpPr>
+        <p:spPr>
+          <a:xfrm>
+            <a:off x="150930" y="66496"/>
+            <a:ext cx="4857481" cy="646331"/>
+          </a:xfrm>
+          <a:prstGeom prst="rect">
+            <a:avLst/>
+          </a:prstGeom>
+          <a:noFill/>
+        </p:spPr>
+        <p:txBody>
+          <a:bodyPr wrap="square" rtlCol="0">
+            <a:spAutoFit/>
+          </a:bodyPr>
+          <a:lstStyle/>
+          <a:p>
+            <a:r>
+              <a:rPr lang="en-US" sz="3600" u="sng" dirty="0"/>
+              <a:t>Goal Features</a:t>
+            </a:r>
+          </a:p>
+        </p:txBody>
+      </p:sp>
+      <p:sp>
+        <p:nvSpPr>
+          <p:cNvPr id="2" name="Rectangle: Rounded Corners 1">
+            <a:extLst>
+              <a:ext uri="{FF2B5EF4-FFF2-40B4-BE49-F238E27FC236}">
+                <a16:creationId xmlns:a16="http://schemas.microsoft.com/office/drawing/2014/main" id="{FD22C96B-81CD-B7DF-9C2F-054C31141486}"/>
               </a:ext>
             </a:extLst>
           </p:cNvPr>
@@ -5121,7 +7001,14 @@
           <a:lstStyle/>
           <a:p>
             <a:pPr algn="ctr"/>
-            <a:endParaRPr lang="en-US"/>
+            <a:r>
+              <a:rPr lang="en-US" dirty="0">
+                <a:solidFill>
+                  <a:schemeClr val="tx1"/>
+                </a:solidFill>
+              </a:rPr>
+              <a:t>This will be where they are able to share their content </a:t>
+            </a:r>
           </a:p>
         </p:txBody>
       </p:sp>
@@ -5130,7 +7017,7 @@
           <p:cNvPr id="3" name="TextBox 2">
             <a:extLst>
               <a:ext uri="{FF2B5EF4-FFF2-40B4-BE49-F238E27FC236}">
-                <a16:creationId xmlns:a16="http://schemas.microsoft.com/office/drawing/2014/main" id="{E7EA993B-9DBB-8F39-EC8A-FAE2C4941C5B}"/>
+                <a16:creationId xmlns:a16="http://schemas.microsoft.com/office/drawing/2014/main" id="{DF395299-488A-B8A3-7EFF-16A66416680B}"/>
               </a:ext>
             </a:extLst>
           </p:cNvPr>
@@ -5155,47 +7042,80 @@
           <a:p>
             <a:r>
               <a:rPr lang="en-US" b="1" dirty="0"/>
-              <a:t>Login</a:t>
-            </a:r>
-          </a:p>
-        </p:txBody>
-      </p:sp>
-    </p:spTree>
-    <p:extLst>
-      <p:ext uri="{BB962C8B-B14F-4D97-AF65-F5344CB8AC3E}">
-        <p14:creationId xmlns:p14="http://schemas.microsoft.com/office/powerpoint/2010/main" val="671967356"/>
-      </p:ext>
-    </p:extLst>
-  </p:cSld>
-  <p:clrMapOvr>
-    <a:masterClrMapping/>
-  </p:clrMapOvr>
-</p:sld>
-</file>
-
-<file path=ppt/slides/slide4.xml><?xml version="1.0" encoding="utf-8"?>
-<p:sld xmlns:a="http://schemas.openxmlformats.org/drawingml/2006/main" xmlns:r="http://schemas.openxmlformats.org/officeDocument/2006/relationships" xmlns:p="http://schemas.openxmlformats.org/presentationml/2006/main">
-  <p:cSld>
-    <p:spTree>
-      <p:nvGrpSpPr>
-        <p:cNvPr id="1" name=""/>
-        <p:cNvGrpSpPr/>
-        <p:nvPr/>
-      </p:nvGrpSpPr>
-      <p:grpSpPr>
-        <a:xfrm>
-          <a:off x="0" y="0"/>
-          <a:ext cx="0" cy="0"/>
-          <a:chOff x="0" y="0"/>
-          <a:chExt cx="0" cy="0"/>
-        </a:xfrm>
-      </p:grpSpPr>
-      <p:sp>
-        <p:nvSpPr>
-          <p:cNvPr id="15" name="TextBox 14">
-            <a:extLst>
-              <a:ext uri="{FF2B5EF4-FFF2-40B4-BE49-F238E27FC236}">
-                <a16:creationId xmlns:a16="http://schemas.microsoft.com/office/drawing/2014/main" id="{74CA0BBF-FFD8-D158-A8A4-832CC1BF02A7}"/>
+              <a:t>Publish</a:t>
+            </a:r>
+          </a:p>
+        </p:txBody>
+      </p:sp>
+      <p:sp>
+        <p:nvSpPr>
+          <p:cNvPr id="4" name="Rectangle: Rounded Corners 1">
+            <a:extLst>
+              <a:ext uri="{FF2B5EF4-FFF2-40B4-BE49-F238E27FC236}">
+                <a16:creationId xmlns:a16="http://schemas.microsoft.com/office/drawing/2014/main" id="{17D677C4-8A22-2B46-BD36-A34B0EA8EDA3}"/>
+              </a:ext>
+            </a:extLst>
+          </p:cNvPr>
+          <p:cNvSpPr/>
+          <p:nvPr/>
+        </p:nvSpPr>
+        <p:spPr>
+          <a:xfrm>
+            <a:off x="4666273" y="1945184"/>
+            <a:ext cx="3424843" cy="4409896"/>
+          </a:xfrm>
+          <a:prstGeom prst="roundRect">
+            <a:avLst/>
+          </a:prstGeom>
+          <a:solidFill>
+            <a:schemeClr val="bg1">
+              <a:lumMod val="95000"/>
+            </a:schemeClr>
+          </a:solidFill>
+          <a:ln>
+            <a:solidFill>
+              <a:schemeClr val="tx1"/>
+            </a:solidFill>
+          </a:ln>
+        </p:spPr>
+        <p:style>
+          <a:lnRef idx="2">
+            <a:schemeClr val="accent1">
+              <a:shade val="50000"/>
+            </a:schemeClr>
+          </a:lnRef>
+          <a:fillRef idx="1">
+            <a:schemeClr val="accent1"/>
+          </a:fillRef>
+          <a:effectRef idx="0">
+            <a:schemeClr val="accent1"/>
+          </a:effectRef>
+          <a:fontRef idx="minor">
+            <a:schemeClr val="lt1"/>
+          </a:fontRef>
+        </p:style>
+        <p:txBody>
+          <a:bodyPr rtlCol="0" anchor="ctr"/>
+          <a:lstStyle/>
+          <a:p>
+            <a:pPr algn="ctr"/>
+            <a:r>
+              <a:rPr lang="en-US" dirty="0">
+                <a:solidFill>
+                  <a:schemeClr val="tx1"/>
+                </a:solidFill>
+              </a:rPr>
+              <a:t>This is where they are able to look at other users published material</a:t>
+            </a:r>
+          </a:p>
+        </p:txBody>
+      </p:sp>
+      <p:sp>
+        <p:nvSpPr>
+          <p:cNvPr id="5" name="TextBox 4">
+            <a:extLst>
+              <a:ext uri="{FF2B5EF4-FFF2-40B4-BE49-F238E27FC236}">
+                <a16:creationId xmlns:a16="http://schemas.microsoft.com/office/drawing/2014/main" id="{D08715C5-165D-1140-CFAD-11379FD9CFF0}"/>
               </a:ext>
             </a:extLst>
           </p:cNvPr>
@@ -5204,8 +7124,8 @@
         </p:nvSpPr>
         <p:spPr>
           <a:xfrm>
-            <a:off x="150930" y="66496"/>
-            <a:ext cx="4857481" cy="646331"/>
+            <a:off x="6006836" y="1990081"/>
+            <a:ext cx="1575201" cy="369332"/>
           </a:xfrm>
           <a:prstGeom prst="rect">
             <a:avLst/>
@@ -5219,8 +7139,8 @@
           <a:lstStyle/>
           <a:p>
             <a:r>
-              <a:rPr lang="en-US" sz="3600" u="sng" dirty="0"/>
-              <a:t>Header</a:t>
+              <a:rPr lang="en-US" b="1" dirty="0"/>
+              <a:t>Stream</a:t>
             </a:r>
           </a:p>
         </p:txBody>
